--- a/Rdata/GO_term_analysis/Go_term_dmn_17_nov_2020.pptx
+++ b/Rdata/GO_term_analysis/Go_term_dmn_17_nov_2020.pptx
@@ -20,6 +20,7 @@
     <p:sldId id="293" r:id="rId14"/>
     <p:sldId id="292" r:id="rId15"/>
     <p:sldId id="294" r:id="rId16"/>
+    <p:sldId id="299" r:id="rId17"/>
   </p:sldIdLst>
   <p:sldSz cx="12192000" cy="6858000"/>
   <p:notesSz cx="6858000" cy="9144000"/>
@@ -4302,7 +4303,7 @@
                     <a:p>
                       <a:pPr algn="ctr" fontAlgn="b"/>
                       <a:r>
-                        <a:rPr lang="en-US" sz="1800" b="0" i="0" u="none" strike="noStrike">
+                        <a:rPr lang="en-US" sz="1800" b="0" i="0" u="none" strike="noStrike" dirty="0">
                           <a:solidFill>
                             <a:srgbClr val="000000"/>
                           </a:solidFill>
@@ -4613,7 +4614,7 @@
                     <a:p>
                       <a:pPr algn="ctr" fontAlgn="b"/>
                       <a:r>
-                        <a:rPr lang="en-US" sz="1800" b="0" i="0" u="none" strike="noStrike">
+                        <a:rPr lang="en-US" sz="1800" b="0" i="0" u="none" strike="noStrike" dirty="0">
                           <a:solidFill>
                             <a:srgbClr val="000000"/>
                           </a:solidFill>
@@ -4679,7 +4680,7 @@
                     <a:p>
                       <a:pPr algn="ctr" fontAlgn="b"/>
                       <a:r>
-                        <a:rPr lang="en-US" sz="1800" b="0" i="0" u="none" strike="noStrike">
+                        <a:rPr lang="en-US" sz="1800" b="0" i="0" u="none" strike="noStrike" dirty="0">
                           <a:solidFill>
                             <a:srgbClr val="000000"/>
                           </a:solidFill>
@@ -4990,7 +4991,7 @@
                     <a:p>
                       <a:pPr algn="ctr" fontAlgn="b"/>
                       <a:r>
-                        <a:rPr lang="en-US" sz="1800" b="0" i="0" u="none" strike="noStrike">
+                        <a:rPr lang="en-US" sz="1800" b="0" i="0" u="none" strike="noStrike" dirty="0">
                           <a:solidFill>
                             <a:srgbClr val="000000"/>
                           </a:solidFill>
@@ -5096,7 +5097,7 @@
                     <a:p>
                       <a:pPr algn="l" fontAlgn="b"/>
                       <a:r>
-                        <a:rPr lang="en-US" sz="1800" b="0" i="0" u="none" strike="noStrike">
+                        <a:rPr lang="en-US" sz="1800" b="0" i="0" u="none" strike="noStrike" dirty="0">
                           <a:solidFill>
                             <a:srgbClr val="000000"/>
                           </a:solidFill>
@@ -5411,42 +5412,42 @@
           <p:nvPr>
             <p:extLst>
               <p:ext uri="{D42A27DB-BD31-4B8C-83A1-F6EECF244321}">
-                <p14:modId xmlns:p14="http://schemas.microsoft.com/office/powerpoint/2010/main" val="288420486"/>
+                <p14:modId xmlns:p14="http://schemas.microsoft.com/office/powerpoint/2010/main" val="1638619349"/>
               </p:ext>
             </p:extLst>
           </p:nvPr>
         </p:nvGraphicFramePr>
         <p:xfrm>
-          <a:off x="3280010" y="4359999"/>
-          <a:ext cx="6450843" cy="1409700"/>
+          <a:off x="3373619" y="4220728"/>
+          <a:ext cx="6022828" cy="1182413"/>
         </p:xfrm>
         <a:graphic>
           <a:graphicData uri="http://schemas.openxmlformats.org/drawingml/2006/table">
             <a:tbl>
               <a:tblPr/>
               <a:tblGrid>
-                <a:gridCol w="2101860">
+                <a:gridCol w="1586992">
                   <a:extLst>
                     <a:ext uri="{9D8B030D-6E8A-4147-A177-3AD203B41FA5}">
                       <a16:colId xmlns:a16="http://schemas.microsoft.com/office/drawing/2014/main" val="2255166992"/>
                     </a:ext>
                   </a:extLst>
                 </a:gridCol>
-                <a:gridCol w="1628118">
+                <a:gridCol w="1229296">
                   <a:extLst>
                     <a:ext uri="{9D8B030D-6E8A-4147-A177-3AD203B41FA5}">
                       <a16:colId xmlns:a16="http://schemas.microsoft.com/office/drawing/2014/main" val="2537931343"/>
                     </a:ext>
                   </a:extLst>
                 </a:gridCol>
-                <a:gridCol w="1244699">
+                <a:gridCol w="939800">
                   <a:extLst>
                     <a:ext uri="{9D8B030D-6E8A-4147-A177-3AD203B41FA5}">
                       <a16:colId xmlns:a16="http://schemas.microsoft.com/office/drawing/2014/main" val="1818781805"/>
                     </a:ext>
                   </a:extLst>
                 </a:gridCol>
-                <a:gridCol w="1476166">
+                <a:gridCol w="2266740">
                   <a:extLst>
                     <a:ext uri="{9D8B030D-6E8A-4147-A177-3AD203B41FA5}">
                       <a16:colId xmlns:a16="http://schemas.microsoft.com/office/drawing/2014/main" val="231773038"/>
@@ -5454,13 +5455,229 @@
                   </a:extLst>
                 </a:gridCol>
               </a:tblGrid>
+              <a:tr h="330878">
+                <a:tc>
+                  <a:txBody>
+                    <a:bodyPr/>
+                    <a:lstStyle/>
+                    <a:p>
+                      <a:pPr algn="ctr" fontAlgn="b"/>
+                      <a:r>
+                        <a:rPr lang="en-US" sz="1800" b="0" i="0" u="none" strike="noStrike" dirty="0" err="1">
+                          <a:solidFill>
+                            <a:srgbClr val="000000"/>
+                          </a:solidFill>
+                          <a:effectLst/>
+                          <a:latin typeface="Calibri" panose="020F0502020204030204" pitchFamily="34" charset="0"/>
+                        </a:rPr>
+                        <a:t>Control_Healthy</a:t>
+                      </a:r>
+                      <a:endParaRPr lang="en-US" sz="1800" b="0" i="0" u="none" strike="noStrike" dirty="0">
+                        <a:solidFill>
+                          <a:srgbClr val="000000"/>
+                        </a:solidFill>
+                        <a:effectLst/>
+                        <a:latin typeface="Calibri" panose="020F0502020204030204" pitchFamily="34" charset="0"/>
+                      </a:endParaRPr>
+                    </a:p>
+                  </a:txBody>
+                  <a:tcPr marL="9525" marR="9525" marT="9525" marB="0" anchor="b">
+                    <a:lnL>
+                      <a:noFill/>
+                    </a:lnL>
+                    <a:lnR>
+                      <a:noFill/>
+                    </a:lnR>
+                    <a:lnT>
+                      <a:noFill/>
+                    </a:lnT>
+                    <a:lnB w="12700" cap="flat" cmpd="sng" algn="ctr">
+                      <a:solidFill>
+                        <a:schemeClr val="tx1"/>
+                      </a:solidFill>
+                      <a:prstDash val="solid"/>
+                      <a:round/>
+                      <a:headEnd type="none" w="med" len="med"/>
+                      <a:tailEnd type="none" w="med" len="med"/>
+                    </a:lnB>
+                  </a:tcPr>
+                </a:tc>
+                <a:tc>
+                  <a:txBody>
+                    <a:bodyPr/>
+                    <a:lstStyle/>
+                    <a:p>
+                      <a:pPr algn="ctr" fontAlgn="b"/>
+                      <a:r>
+                        <a:rPr lang="en-US" sz="1800" b="0" i="0" u="none" strike="noStrike" dirty="0" err="1">
+                          <a:solidFill>
+                            <a:srgbClr val="000000"/>
+                          </a:solidFill>
+                          <a:effectLst/>
+                          <a:latin typeface="Calibri" panose="020F0502020204030204" pitchFamily="34" charset="0"/>
+                        </a:rPr>
+                        <a:t>Control_Sick</a:t>
+                      </a:r>
+                      <a:endParaRPr lang="en-US" sz="1800" b="0" i="0" u="none" strike="noStrike" dirty="0">
+                        <a:solidFill>
+                          <a:srgbClr val="000000"/>
+                        </a:solidFill>
+                        <a:effectLst/>
+                        <a:latin typeface="Calibri" panose="020F0502020204030204" pitchFamily="34" charset="0"/>
+                      </a:endParaRPr>
+                    </a:p>
+                  </a:txBody>
+                  <a:tcPr marL="9525" marR="9525" marT="9525" marB="0" anchor="b">
+                    <a:lnL>
+                      <a:noFill/>
+                    </a:lnL>
+                    <a:lnR>
+                      <a:noFill/>
+                    </a:lnR>
+                    <a:lnT>
+                      <a:noFill/>
+                    </a:lnT>
+                    <a:lnB w="12700" cap="flat" cmpd="sng" algn="ctr">
+                      <a:solidFill>
+                        <a:schemeClr val="tx1"/>
+                      </a:solidFill>
+                      <a:prstDash val="solid"/>
+                      <a:round/>
+                      <a:headEnd type="none" w="med" len="med"/>
+                      <a:tailEnd type="none" w="med" len="med"/>
+                    </a:lnB>
+                  </a:tcPr>
+                </a:tc>
+                <a:tc>
+                  <a:txBody>
+                    <a:bodyPr/>
+                    <a:lstStyle/>
+                    <a:p>
+                      <a:pPr algn="ctr" fontAlgn="b"/>
+                      <a:r>
+                        <a:rPr lang="en-US" sz="1800" b="0" i="0" u="none" strike="noStrike" dirty="0">
+                          <a:solidFill>
+                            <a:srgbClr val="000000"/>
+                          </a:solidFill>
+                          <a:effectLst/>
+                          <a:latin typeface="Calibri" panose="020F0502020204030204" pitchFamily="34" charset="0"/>
+                        </a:rPr>
+                        <a:t>COVID19</a:t>
+                      </a:r>
+                    </a:p>
+                  </a:txBody>
+                  <a:tcPr marL="9525" marR="9525" marT="9525" marB="0" anchor="b">
+                    <a:lnL>
+                      <a:noFill/>
+                    </a:lnL>
+                    <a:lnR>
+                      <a:noFill/>
+                    </a:lnR>
+                    <a:lnT>
+                      <a:noFill/>
+                    </a:lnT>
+                    <a:lnB w="12700" cap="flat" cmpd="sng" algn="ctr">
+                      <a:solidFill>
+                        <a:schemeClr val="tx1"/>
+                      </a:solidFill>
+                      <a:prstDash val="solid"/>
+                      <a:round/>
+                      <a:headEnd type="none" w="med" len="med"/>
+                      <a:tailEnd type="none" w="med" len="med"/>
+                    </a:lnB>
+                  </a:tcPr>
+                </a:tc>
+                <a:tc>
+                  <a:txBody>
+                    <a:bodyPr/>
+                    <a:lstStyle/>
+                    <a:p>
+                      <a:pPr algn="ctr" fontAlgn="b"/>
+                      <a:r>
+                        <a:rPr lang="en-US" sz="1800" b="0" i="0" u="none" strike="noStrike" dirty="0">
+                          <a:solidFill>
+                            <a:srgbClr val="000000"/>
+                          </a:solidFill>
+                          <a:effectLst/>
+                          <a:latin typeface="Calibri" panose="020F0502020204030204" pitchFamily="34" charset="0"/>
+                        </a:rPr>
+                        <a:t>Control_Sick+COVID19</a:t>
+                      </a:r>
+                    </a:p>
+                  </a:txBody>
+                  <a:tcPr marL="9525" marR="9525" marT="9525" marB="0" anchor="b">
+                    <a:lnL>
+                      <a:noFill/>
+                    </a:lnL>
+                    <a:lnR>
+                      <a:noFill/>
+                    </a:lnR>
+                    <a:lnT>
+                      <a:noFill/>
+                    </a:lnT>
+                    <a:lnB w="12700" cap="flat" cmpd="sng" algn="ctr">
+                      <a:solidFill>
+                        <a:schemeClr val="tx1"/>
+                      </a:solidFill>
+                      <a:prstDash val="solid"/>
+                      <a:round/>
+                      <a:headEnd type="none" w="med" len="med"/>
+                      <a:tailEnd type="none" w="med" len="med"/>
+                    </a:lnB>
+                  </a:tcPr>
+                </a:tc>
+                <a:extLst>
+                  <a:ext uri="{0D108BD9-81ED-4DB2-BD59-A6C34878D82A}">
+                    <a16:rowId xmlns:a16="http://schemas.microsoft.com/office/drawing/2014/main" val="3858714576"/>
+                  </a:ext>
+                </a:extLst>
+              </a:tr>
               <a:tr h="190500">
                 <a:tc>
                   <a:txBody>
                     <a:bodyPr/>
                     <a:lstStyle/>
                     <a:p>
-                      <a:pPr algn="l" fontAlgn="b"/>
+                      <a:pPr algn="ctr" fontAlgn="b"/>
+                      <a:r>
+                        <a:rPr lang="en-US" sz="1800" b="0" i="0" u="none" strike="noStrike" dirty="0">
+                          <a:solidFill>
+                            <a:srgbClr val="000000"/>
+                          </a:solidFill>
+                          <a:effectLst/>
+                          <a:latin typeface="Calibri" panose="020F0502020204030204" pitchFamily="34" charset="0"/>
+                        </a:rPr>
+                        <a:t>49946.19</a:t>
+                      </a:r>
+                    </a:p>
+                  </a:txBody>
+                  <a:tcPr marL="9525" marR="9525" marT="9525" marB="0" anchor="b">
+                    <a:lnL>
+                      <a:noFill/>
+                    </a:lnL>
+                    <a:lnR>
+                      <a:noFill/>
+                    </a:lnR>
+                    <a:lnT w="12700" cap="flat" cmpd="sng" algn="ctr">
+                      <a:solidFill>
+                        <a:schemeClr val="tx1"/>
+                      </a:solidFill>
+                      <a:prstDash val="solid"/>
+                      <a:round/>
+                      <a:headEnd type="none" w="med" len="med"/>
+                      <a:tailEnd type="none" w="med" len="med"/>
+                    </a:lnT>
+                    <a:lnB>
+                      <a:noFill/>
+                    </a:lnB>
+                  </a:tcPr>
+                </a:tc>
+                <a:tc>
+                  <a:txBody>
+                    <a:bodyPr/>
+                    <a:lstStyle/>
+                    <a:p>
+                      <a:pPr algn="ctr" fontAlgn="b"/>
                       <a:r>
                         <a:rPr lang="en-US" sz="1800" b="0" i="0" u="none" strike="noStrike">
                           <a:solidFill>
@@ -5469,7 +5686,7 @@
                           <a:effectLst/>
                           <a:latin typeface="Calibri" panose="020F0502020204030204" pitchFamily="34" charset="0"/>
                         </a:rPr>
-                        <a:t>Control_Healthy</a:t>
+                        <a:t>94154.15</a:t>
                       </a:r>
                     </a:p>
                   </a:txBody>
@@ -5480,8 +5697,14 @@
                     <a:lnR>
                       <a:noFill/>
                     </a:lnR>
-                    <a:lnT>
-                      <a:noFill/>
+                    <a:lnT w="12700" cap="flat" cmpd="sng" algn="ctr">
+                      <a:solidFill>
+                        <a:schemeClr val="tx1"/>
+                      </a:solidFill>
+                      <a:prstDash val="solid"/>
+                      <a:round/>
+                      <a:headEnd type="none" w="med" len="med"/>
+                      <a:tailEnd type="none" w="med" len="med"/>
                     </a:lnT>
                     <a:lnB>
                       <a:noFill/>
@@ -5493,7 +5716,7 @@
                     <a:bodyPr/>
                     <a:lstStyle/>
                     <a:p>
-                      <a:pPr algn="l" fontAlgn="b"/>
+                      <a:pPr algn="ctr" fontAlgn="b"/>
                       <a:r>
                         <a:rPr lang="en-US" sz="1800" b="0" i="0" u="none" strike="noStrike">
                           <a:solidFill>
@@ -5502,8 +5725,1406 @@
                           <a:effectLst/>
                           <a:latin typeface="Calibri" panose="020F0502020204030204" pitchFamily="34" charset="0"/>
                         </a:rPr>
+                        <a:t>72994.96</a:t>
+                      </a:r>
+                    </a:p>
+                  </a:txBody>
+                  <a:tcPr marL="9525" marR="9525" marT="9525" marB="0" anchor="b">
+                    <a:lnL>
+                      <a:noFill/>
+                    </a:lnL>
+                    <a:lnR>
+                      <a:noFill/>
+                    </a:lnR>
+                    <a:lnT w="12700" cap="flat" cmpd="sng" algn="ctr">
+                      <a:solidFill>
+                        <a:schemeClr val="tx1"/>
+                      </a:solidFill>
+                      <a:prstDash val="solid"/>
+                      <a:round/>
+                      <a:headEnd type="none" w="med" len="med"/>
+                      <a:tailEnd type="none" w="med" len="med"/>
+                    </a:lnT>
+                    <a:lnB>
+                      <a:noFill/>
+                    </a:lnB>
+                  </a:tcPr>
+                </a:tc>
+                <a:tc>
+                  <a:txBody>
+                    <a:bodyPr/>
+                    <a:lstStyle/>
+                    <a:p>
+                      <a:pPr algn="ctr" fontAlgn="b"/>
+                      <a:r>
+                        <a:rPr lang="en-US" sz="1800" b="0" i="0" u="none" strike="noStrike" dirty="0">
+                          <a:solidFill>
+                            <a:srgbClr val="000000"/>
+                          </a:solidFill>
+                          <a:effectLst/>
+                          <a:latin typeface="Calibri" panose="020F0502020204030204" pitchFamily="34" charset="0"/>
+                        </a:rPr>
+                        <a:t>217095.3</a:t>
+                      </a:r>
+                    </a:p>
+                  </a:txBody>
+                  <a:tcPr marL="9525" marR="9525" marT="9525" marB="0" anchor="b">
+                    <a:lnL>
+                      <a:noFill/>
+                    </a:lnL>
+                    <a:lnR>
+                      <a:noFill/>
+                    </a:lnR>
+                    <a:lnT w="12700" cap="flat" cmpd="sng" algn="ctr">
+                      <a:solidFill>
+                        <a:schemeClr val="tx1"/>
+                      </a:solidFill>
+                      <a:prstDash val="solid"/>
+                      <a:round/>
+                      <a:headEnd type="none" w="med" len="med"/>
+                      <a:tailEnd type="none" w="med" len="med"/>
+                    </a:lnT>
+                    <a:lnB>
+                      <a:noFill/>
+                    </a:lnB>
+                  </a:tcPr>
+                </a:tc>
+                <a:extLst>
+                  <a:ext uri="{0D108BD9-81ED-4DB2-BD59-A6C34878D82A}">
+                    <a16:rowId xmlns:a16="http://schemas.microsoft.com/office/drawing/2014/main" val="1933148310"/>
+                  </a:ext>
+                </a:extLst>
+              </a:tr>
+              <a:tr h="190500">
+                <a:tc>
+                  <a:txBody>
+                    <a:bodyPr/>
+                    <a:lstStyle/>
+                    <a:p>
+                      <a:pPr algn="ctr" fontAlgn="b"/>
+                      <a:r>
+                        <a:rPr lang="en-US" sz="1800" b="0" i="0" u="none" strike="noStrike">
+                          <a:solidFill>
+                            <a:srgbClr val="000000"/>
+                          </a:solidFill>
+                          <a:effectLst/>
+                          <a:latin typeface="Calibri" panose="020F0502020204030204" pitchFamily="34" charset="0"/>
+                        </a:rPr>
+                        <a:t>Single</a:t>
+                      </a:r>
+                    </a:p>
+                  </a:txBody>
+                  <a:tcPr marL="9525" marR="9525" marT="9525" marB="0" anchor="b">
+                    <a:lnL>
+                      <a:noFill/>
+                    </a:lnL>
+                    <a:lnR>
+                      <a:noFill/>
+                    </a:lnR>
+                    <a:lnT>
+                      <a:noFill/>
+                    </a:lnT>
+                    <a:lnB>
+                      <a:noFill/>
+                    </a:lnB>
+                  </a:tcPr>
+                </a:tc>
+                <a:tc>
+                  <a:txBody>
+                    <a:bodyPr/>
+                    <a:lstStyle/>
+                    <a:p>
+                      <a:pPr algn="ctr" fontAlgn="b"/>
+                      <a:endParaRPr lang="en-US" sz="1800" b="0" i="0" u="none" strike="noStrike" dirty="0">
+                        <a:solidFill>
+                          <a:srgbClr val="000000"/>
+                        </a:solidFill>
+                        <a:effectLst/>
+                        <a:latin typeface="Calibri" panose="020F0502020204030204" pitchFamily="34" charset="0"/>
+                      </a:endParaRPr>
+                    </a:p>
+                  </a:txBody>
+                  <a:tcPr marL="9525" marR="9525" marT="9525" marB="0" anchor="b">
+                    <a:lnL>
+                      <a:noFill/>
+                    </a:lnL>
+                    <a:lnR>
+                      <a:noFill/>
+                    </a:lnR>
+                    <a:lnT>
+                      <a:noFill/>
+                    </a:lnT>
+                    <a:lnB>
+                      <a:noFill/>
+                    </a:lnB>
+                  </a:tcPr>
+                </a:tc>
+                <a:tc>
+                  <a:txBody>
+                    <a:bodyPr/>
+                    <a:lstStyle/>
+                    <a:p>
+                      <a:pPr algn="ctr" fontAlgn="b"/>
+                      <a:endParaRPr lang="en-US" sz="1800" b="0" i="0" u="none" strike="noStrike" dirty="0">
+                        <a:solidFill>
+                          <a:srgbClr val="000000"/>
+                        </a:solidFill>
+                        <a:effectLst/>
+                        <a:latin typeface="Calibri" panose="020F0502020204030204" pitchFamily="34" charset="0"/>
+                      </a:endParaRPr>
+                    </a:p>
+                  </a:txBody>
+                  <a:tcPr marL="9525" marR="9525" marT="9525" marB="0" anchor="b">
+                    <a:lnL>
+                      <a:noFill/>
+                    </a:lnL>
+                    <a:lnR>
+                      <a:noFill/>
+                    </a:lnR>
+                    <a:lnT>
+                      <a:noFill/>
+                    </a:lnT>
+                    <a:lnB>
+                      <a:noFill/>
+                    </a:lnB>
+                  </a:tcPr>
+                </a:tc>
+                <a:tc>
+                  <a:txBody>
+                    <a:bodyPr/>
+                    <a:lstStyle/>
+                    <a:p>
+                      <a:pPr algn="ctr" fontAlgn="b"/>
+                      <a:endParaRPr lang="en-US" sz="1800" b="0" i="0" u="none" strike="noStrike">
+                        <a:solidFill>
+                          <a:srgbClr val="000000"/>
+                        </a:solidFill>
+                        <a:effectLst/>
+                        <a:latin typeface="Calibri" panose="020F0502020204030204" pitchFamily="34" charset="0"/>
+                      </a:endParaRPr>
+                    </a:p>
+                  </a:txBody>
+                  <a:tcPr marL="9525" marR="9525" marT="9525" marB="0" anchor="b">
+                    <a:lnL>
+                      <a:noFill/>
+                    </a:lnL>
+                    <a:lnR>
+                      <a:noFill/>
+                    </a:lnR>
+                    <a:lnT>
+                      <a:noFill/>
+                    </a:lnT>
+                    <a:lnB>
+                      <a:noFill/>
+                    </a:lnB>
+                  </a:tcPr>
+                </a:tc>
+                <a:extLst>
+                  <a:ext uri="{0D108BD9-81ED-4DB2-BD59-A6C34878D82A}">
+                    <a16:rowId xmlns:a16="http://schemas.microsoft.com/office/drawing/2014/main" val="3272722919"/>
+                  </a:ext>
+                </a:extLst>
+              </a:tr>
+              <a:tr h="190500">
+                <a:tc>
+                  <a:txBody>
+                    <a:bodyPr/>
+                    <a:lstStyle/>
+                    <a:p>
+                      <a:pPr algn="ctr" fontAlgn="b"/>
+                      <a:r>
+                        <a:rPr lang="en-US" sz="1800" b="0" i="0" u="none" strike="noStrike">
+                          <a:solidFill>
+                            <a:srgbClr val="000000"/>
+                          </a:solidFill>
+                          <a:effectLst/>
+                          <a:latin typeface="Calibri" panose="020F0502020204030204" pitchFamily="34" charset="0"/>
+                        </a:rPr>
+                        <a:t>203389.8</a:t>
+                      </a:r>
+                    </a:p>
+                  </a:txBody>
+                  <a:tcPr marL="9525" marR="9525" marT="9525" marB="0" anchor="b">
+                    <a:lnL>
+                      <a:noFill/>
+                    </a:lnL>
+                    <a:lnR>
+                      <a:noFill/>
+                    </a:lnR>
+                    <a:lnT>
+                      <a:noFill/>
+                    </a:lnT>
+                    <a:lnB>
+                      <a:noFill/>
+                    </a:lnB>
+                  </a:tcPr>
+                </a:tc>
+                <a:tc>
+                  <a:txBody>
+                    <a:bodyPr/>
+                    <a:lstStyle/>
+                    <a:p>
+                      <a:pPr algn="ctr" fontAlgn="b"/>
+                      <a:endParaRPr lang="en-US" sz="1800" b="0" i="0" u="none" strike="noStrike" dirty="0">
+                        <a:solidFill>
+                          <a:srgbClr val="000000"/>
+                        </a:solidFill>
+                        <a:effectLst/>
+                        <a:latin typeface="Calibri" panose="020F0502020204030204" pitchFamily="34" charset="0"/>
+                      </a:endParaRPr>
+                    </a:p>
+                  </a:txBody>
+                  <a:tcPr marL="9525" marR="9525" marT="9525" marB="0" anchor="b">
+                    <a:lnL>
+                      <a:noFill/>
+                    </a:lnL>
+                    <a:lnR>
+                      <a:noFill/>
+                    </a:lnR>
+                    <a:lnT>
+                      <a:noFill/>
+                    </a:lnT>
+                    <a:lnB>
+                      <a:noFill/>
+                    </a:lnB>
+                  </a:tcPr>
+                </a:tc>
+                <a:tc>
+                  <a:txBody>
+                    <a:bodyPr/>
+                    <a:lstStyle/>
+                    <a:p>
+                      <a:pPr algn="ctr" fontAlgn="b"/>
+                      <a:endParaRPr lang="en-US" sz="1800" b="0" i="0" u="none" strike="noStrike" dirty="0">
+                        <a:solidFill>
+                          <a:srgbClr val="000000"/>
+                        </a:solidFill>
+                        <a:effectLst/>
+                        <a:latin typeface="Calibri" panose="020F0502020204030204" pitchFamily="34" charset="0"/>
+                      </a:endParaRPr>
+                    </a:p>
+                  </a:txBody>
+                  <a:tcPr marL="9525" marR="9525" marT="9525" marB="0" anchor="b">
+                    <a:lnL>
+                      <a:noFill/>
+                    </a:lnL>
+                    <a:lnR>
+                      <a:noFill/>
+                    </a:lnR>
+                    <a:lnT>
+                      <a:noFill/>
+                    </a:lnT>
+                    <a:lnB>
+                      <a:noFill/>
+                    </a:lnB>
+                  </a:tcPr>
+                </a:tc>
+                <a:tc>
+                  <a:txBody>
+                    <a:bodyPr/>
+                    <a:lstStyle/>
+                    <a:p>
+                      <a:pPr algn="ctr" fontAlgn="b"/>
+                      <a:endParaRPr lang="en-US" sz="1800" b="0" i="0" u="none" strike="noStrike" dirty="0">
+                        <a:solidFill>
+                          <a:srgbClr val="000000"/>
+                        </a:solidFill>
+                        <a:effectLst/>
+                        <a:latin typeface="Calibri" panose="020F0502020204030204" pitchFamily="34" charset="0"/>
+                      </a:endParaRPr>
+                    </a:p>
+                  </a:txBody>
+                  <a:tcPr marL="9525" marR="9525" marT="9525" marB="0" anchor="b">
+                    <a:lnL>
+                      <a:noFill/>
+                    </a:lnL>
+                    <a:lnR>
+                      <a:noFill/>
+                    </a:lnR>
+                    <a:lnT>
+                      <a:noFill/>
+                    </a:lnT>
+                    <a:lnB>
+                      <a:noFill/>
+                    </a:lnB>
+                  </a:tcPr>
+                </a:tc>
+                <a:extLst>
+                  <a:ext uri="{0D108BD9-81ED-4DB2-BD59-A6C34878D82A}">
+                    <a16:rowId xmlns:a16="http://schemas.microsoft.com/office/drawing/2014/main" val="3958923244"/>
+                  </a:ext>
+                </a:extLst>
+              </a:tr>
+            </a:tbl>
+          </a:graphicData>
+        </a:graphic>
+      </p:graphicFrame>
+      <p:sp>
+        <p:nvSpPr>
+          <p:cNvPr id="4" name="Rectangle 2">
+            <a:extLst>
+              <a:ext uri="{FF2B5EF4-FFF2-40B4-BE49-F238E27FC236}">
+                <a16:creationId xmlns:a16="http://schemas.microsoft.com/office/drawing/2014/main" id="{BDBE1A7A-0534-432B-BDDA-4A80035548EE}"/>
+              </a:ext>
+            </a:extLst>
+          </p:cNvPr>
+          <p:cNvSpPr>
+            <a:spLocks noChangeArrowheads="1"/>
+          </p:cNvSpPr>
+          <p:nvPr/>
+        </p:nvSpPr>
+        <p:spPr bwMode="auto">
+          <a:xfrm>
+            <a:off x="2251880" y="5874450"/>
+            <a:ext cx="7478973" cy="800219"/>
+          </a:xfrm>
+          <a:prstGeom prst="rect">
+            <a:avLst/>
+          </a:prstGeom>
+          <a:solidFill>
+            <a:srgbClr val="202020"/>
+          </a:solidFill>
+          <a:ln>
+            <a:noFill/>
+          </a:ln>
+          <a:effectLst/>
+          <a:extLst>
+            <a:ext uri="{91240B29-F687-4F45-9708-019B960494DF}">
+              <a14:hiddenLine xmlns:a14="http://schemas.microsoft.com/office/drawing/2010/main" w="9525">
+                <a:solidFill>
+                  <a:schemeClr val="tx1"/>
+                </a:solidFill>
+                <a:miter lim="800000"/>
+                <a:headEnd/>
+                <a:tailEnd/>
+              </a14:hiddenLine>
+            </a:ext>
+            <a:ext uri="{AF507438-7753-43E0-B8FC-AC1667EBCBE1}">
+              <a14:hiddenEffects xmlns:a14="http://schemas.microsoft.com/office/drawing/2010/main">
+                <a:effectLst>
+                  <a:outerShdw dist="35921" dir="2700000" algn="ctr" rotWithShape="0">
+                    <a:schemeClr val="bg2"/>
+                  </a:outerShdw>
+                </a:effectLst>
+              </a14:hiddenEffects>
+            </a:ext>
+          </a:extLst>
+        </p:spPr>
+        <p:txBody>
+          <a:bodyPr vert="horz" wrap="square" lIns="0" tIns="0" rIns="0" bIns="0" numCol="1" anchor="ctr" anchorCtr="0" compatLnSpc="1">
+            <a:prstTxWarp prst="textNoShape">
+              <a:avLst/>
+            </a:prstTxWarp>
+            <a:spAutoFit/>
+          </a:bodyPr>
+          <a:lstStyle/>
+          <a:p>
+            <a:pPr marL="0" marR="0" lvl="0" indent="0" algn="l" defTabSz="914400" rtl="0" eaLnBrk="0" fontAlgn="base" latinLnBrk="0" hangingPunct="0">
+              <a:lnSpc>
+                <a:spcPct val="100000"/>
+              </a:lnSpc>
+              <a:spcBef>
+                <a:spcPct val="0"/>
+              </a:spcBef>
+              <a:spcAft>
+                <a:spcPct val="0"/>
+              </a:spcAft>
+              <a:buClrTx/>
+              <a:buSzTx/>
+              <a:buFontTx/>
+              <a:buNone/>
+              <a:tabLst/>
+            </a:pPr>
+            <a:r>
+              <a:rPr kumimoji="0" lang="en-US" altLang="en-US" sz="1300" b="0" i="0" u="none" strike="noStrike" cap="none" normalizeH="0" baseline="0" dirty="0">
+                <a:ln>
+                  <a:noFill/>
+                </a:ln>
+                <a:solidFill>
+                  <a:srgbClr val="E6E1DC"/>
+                </a:solidFill>
+                <a:effectLst/>
+                <a:latin typeface="Lucida Console" panose="020B0609040504020204" pitchFamily="49" charset="0"/>
+              </a:rPr>
+              <a:t>2 group class: </a:t>
+            </a:r>
+            <a:r>
+              <a:rPr kumimoji="0" lang="en-US" altLang="en-US" sz="1300" b="0" i="0" u="none" strike="noStrike" cap="none" normalizeH="0" baseline="0" dirty="0" err="1">
+                <a:ln>
+                  <a:noFill/>
+                </a:ln>
+                <a:solidFill>
+                  <a:srgbClr val="E6E1DC"/>
+                </a:solidFill>
+                <a:effectLst/>
+                <a:latin typeface="Lucida Console" panose="020B0609040504020204" pitchFamily="49" charset="0"/>
+              </a:rPr>
+              <a:t>DMNGroup</a:t>
+            </a:r>
+            <a:r>
+              <a:rPr kumimoji="0" lang="en-US" altLang="en-US" sz="1300" b="0" i="0" u="none" strike="noStrike" cap="none" normalizeH="0" baseline="0" dirty="0">
+                <a:ln>
+                  <a:noFill/>
+                </a:ln>
+                <a:solidFill>
+                  <a:srgbClr val="E6E1DC"/>
+                </a:solidFill>
+                <a:effectLst/>
+                <a:latin typeface="Lucida Console" panose="020B0609040504020204" pitchFamily="49" charset="0"/>
+              </a:rPr>
+              <a:t> summary: </a:t>
+            </a:r>
+          </a:p>
+          <a:p>
+            <a:pPr marL="0" marR="0" lvl="0" indent="0" algn="l" defTabSz="914400" rtl="0" eaLnBrk="0" fontAlgn="base" latinLnBrk="0" hangingPunct="0">
+              <a:lnSpc>
+                <a:spcPct val="100000"/>
+              </a:lnSpc>
+              <a:spcBef>
+                <a:spcPct val="0"/>
+              </a:spcBef>
+              <a:spcAft>
+                <a:spcPct val="0"/>
+              </a:spcAft>
+              <a:buClrTx/>
+              <a:buSzTx/>
+              <a:buFontTx/>
+              <a:buNone/>
+              <a:tabLst/>
+            </a:pPr>
+            <a:r>
+              <a:rPr lang="en-US" altLang="en-US" sz="1300" dirty="0">
+                <a:solidFill>
+                  <a:srgbClr val="E6E1DC"/>
+                </a:solidFill>
+                <a:latin typeface="Lucida Console" panose="020B0609040504020204" pitchFamily="49" charset="0"/>
+              </a:rPr>
+              <a:t>	       </a:t>
+            </a:r>
+            <a:r>
+              <a:rPr kumimoji="0" lang="en-US" altLang="en-US" sz="1300" b="0" i="0" u="none" strike="noStrike" cap="none" normalizeH="0" baseline="0" dirty="0">
+                <a:ln>
+                  <a:noFill/>
+                </a:ln>
+                <a:solidFill>
+                  <a:srgbClr val="E6E1DC"/>
+                </a:solidFill>
+                <a:effectLst/>
+                <a:latin typeface="Lucida Console" panose="020B0609040504020204" pitchFamily="49" charset="0"/>
+              </a:rPr>
+              <a:t>k samples taxa NLE   </a:t>
+            </a:r>
+            <a:r>
+              <a:rPr kumimoji="0" lang="en-US" altLang="en-US" sz="1300" b="0" i="0" u="none" strike="noStrike" cap="none" normalizeH="0" baseline="0" dirty="0" err="1">
+                <a:ln>
+                  <a:noFill/>
+                </a:ln>
+                <a:solidFill>
+                  <a:srgbClr val="E6E1DC"/>
+                </a:solidFill>
+                <a:effectLst/>
+                <a:latin typeface="Lucida Console" panose="020B0609040504020204" pitchFamily="49" charset="0"/>
+              </a:rPr>
+              <a:t>LogDet</a:t>
+            </a:r>
+            <a:r>
+              <a:rPr kumimoji="0" lang="en-US" altLang="en-US" sz="1300" b="0" i="0" u="none" strike="noStrike" cap="none" normalizeH="0" baseline="0" dirty="0">
+                <a:ln>
+                  <a:noFill/>
+                </a:ln>
+                <a:solidFill>
+                  <a:srgbClr val="E6E1DC"/>
+                </a:solidFill>
+                <a:effectLst/>
+                <a:latin typeface="Lucida Console" panose="020B0609040504020204" pitchFamily="49" charset="0"/>
+              </a:rPr>
+              <a:t>   Laplace    BIC    AIC </a:t>
+            </a:r>
+          </a:p>
+          <a:p>
+            <a:pPr marL="0" marR="0" lvl="0" indent="0" algn="l" defTabSz="914400" rtl="0" eaLnBrk="0" fontAlgn="base" latinLnBrk="0" hangingPunct="0">
+              <a:lnSpc>
+                <a:spcPct val="100000"/>
+              </a:lnSpc>
+              <a:spcBef>
+                <a:spcPct val="0"/>
+              </a:spcBef>
+              <a:spcAft>
+                <a:spcPct val="0"/>
+              </a:spcAft>
+              <a:buClrTx/>
+              <a:buSzTx/>
+              <a:buFontTx/>
+              <a:buNone/>
+              <a:tabLst/>
+            </a:pPr>
+            <a:r>
+              <a:rPr kumimoji="0" lang="en-US" altLang="en-US" sz="1300" b="0" i="0" u="none" strike="noStrike" cap="none" normalizeH="0" baseline="0" dirty="0" err="1">
+                <a:ln>
+                  <a:noFill/>
+                </a:ln>
+                <a:solidFill>
+                  <a:srgbClr val="E6E1DC"/>
+                </a:solidFill>
+                <a:effectLst/>
+                <a:latin typeface="Lucida Console" panose="020B0609040504020204" pitchFamily="49" charset="0"/>
+              </a:rPr>
+              <a:t>Control_Healthy</a:t>
+            </a:r>
+            <a:r>
+              <a:rPr kumimoji="0" lang="en-US" altLang="en-US" sz="1300" b="0" i="0" u="none" strike="noStrike" cap="none" normalizeH="0" baseline="0" dirty="0">
+                <a:ln>
+                  <a:noFill/>
+                </a:ln>
+                <a:solidFill>
+                  <a:srgbClr val="E6E1DC"/>
+                </a:solidFill>
+                <a:effectLst/>
+                <a:latin typeface="Lucida Console" panose="020B0609040504020204" pitchFamily="49" charset="0"/>
+              </a:rPr>
+              <a:t> 1 32 2077 53384.32 -3058.9868 49946.19 56983.48 55461.32 </a:t>
+            </a:r>
+          </a:p>
+          <a:p>
+            <a:pPr marL="0" marR="0" lvl="0" indent="0" algn="l" defTabSz="914400" rtl="0" eaLnBrk="0" fontAlgn="base" latinLnBrk="0" hangingPunct="0">
+              <a:lnSpc>
+                <a:spcPct val="100000"/>
+              </a:lnSpc>
+              <a:spcBef>
+                <a:spcPct val="0"/>
+              </a:spcBef>
+              <a:spcAft>
+                <a:spcPct val="0"/>
+              </a:spcAft>
+              <a:buClrTx/>
+              <a:buSzTx/>
+              <a:buFontTx/>
+              <a:buNone/>
+              <a:tabLst/>
+            </a:pPr>
+            <a:r>
+              <a:rPr kumimoji="0" lang="en-US" altLang="en-US" sz="1300" b="0" i="0" u="none" strike="noStrike" cap="none" normalizeH="0" baseline="0" dirty="0">
+                <a:ln>
+                  <a:noFill/>
+                </a:ln>
+                <a:solidFill>
+                  <a:srgbClr val="E6E1DC"/>
+                </a:solidFill>
+                <a:effectLst/>
+                <a:latin typeface="Lucida Console" panose="020B0609040504020204" pitchFamily="49" charset="0"/>
+              </a:rPr>
+              <a:t>COVID19         2 33 2077 77343.17  210.8834  73630.42 84607.16 81498.17</a:t>
+            </a:r>
+            <a:endParaRPr kumimoji="0" lang="en-US" altLang="en-US" sz="1800" b="0" i="0" u="none" strike="noStrike" cap="none" normalizeH="0" baseline="0" dirty="0">
+              <a:ln>
+                <a:noFill/>
+              </a:ln>
+              <a:solidFill>
+                <a:schemeClr val="tx1"/>
+              </a:solidFill>
+              <a:effectLst/>
+              <a:latin typeface="Arial" panose="020B0604020202020204" pitchFamily="34" charset="0"/>
+            </a:endParaRPr>
+          </a:p>
+        </p:txBody>
+      </p:sp>
+    </p:spTree>
+    <p:extLst>
+      <p:ext uri="{BB962C8B-B14F-4D97-AF65-F5344CB8AC3E}">
+        <p14:creationId xmlns:p14="http://schemas.microsoft.com/office/powerpoint/2010/main" val="3895564111"/>
+      </p:ext>
+    </p:extLst>
+  </p:cSld>
+  <p:clrMapOvr>
+    <a:masterClrMapping/>
+  </p:clrMapOvr>
+</p:sld>
+</file>
+
+<file path=ppt/slides/slide16.xml><?xml version="1.0" encoding="utf-8"?>
+<p:sld xmlns:a="http://schemas.openxmlformats.org/drawingml/2006/main" xmlns:r="http://schemas.openxmlformats.org/officeDocument/2006/relationships" xmlns:p="http://schemas.openxmlformats.org/presentationml/2006/main">
+  <p:cSld>
+    <p:spTree>
+      <p:nvGrpSpPr>
+        <p:cNvPr id="1" name=""/>
+        <p:cNvGrpSpPr/>
+        <p:nvPr/>
+      </p:nvGrpSpPr>
+      <p:grpSpPr>
+        <a:xfrm>
+          <a:off x="0" y="0"/>
+          <a:ext cx="0" cy="0"/>
+          <a:chOff x="0" y="0"/>
+          <a:chExt cx="0" cy="0"/>
+        </a:xfrm>
+      </p:grpSpPr>
+      <p:sp>
+        <p:nvSpPr>
+          <p:cNvPr id="2" name="Title 1">
+            <a:extLst>
+              <a:ext uri="{FF2B5EF4-FFF2-40B4-BE49-F238E27FC236}">
+                <a16:creationId xmlns:a16="http://schemas.microsoft.com/office/drawing/2014/main" id="{20521BFD-BBEE-4FDA-BBEA-8F1A6E4884C0}"/>
+              </a:ext>
+            </a:extLst>
+          </p:cNvPr>
+          <p:cNvSpPr>
+            <a:spLocks noGrp="1"/>
+          </p:cNvSpPr>
+          <p:nvPr>
+            <p:ph type="ctrTitle"/>
+          </p:nvPr>
+        </p:nvSpPr>
+        <p:spPr>
+          <a:xfrm>
+            <a:off x="1524000" y="1"/>
+            <a:ext cx="9144000" cy="928048"/>
+          </a:xfrm>
+        </p:spPr>
+        <p:txBody>
+          <a:bodyPr/>
+          <a:lstStyle/>
+          <a:p>
+            <a:r>
+              <a:rPr lang="en-US" dirty="0" err="1"/>
+              <a:t>Dmngroup</a:t>
+            </a:r>
+            <a:r>
+              <a:rPr lang="en-US" dirty="0"/>
+              <a:t> modeling</a:t>
+            </a:r>
+          </a:p>
+        </p:txBody>
+      </p:sp>
+      <p:graphicFrame>
+        <p:nvGraphicFramePr>
+          <p:cNvPr id="8" name="Table 7">
+            <a:extLst>
+              <a:ext uri="{FF2B5EF4-FFF2-40B4-BE49-F238E27FC236}">
+                <a16:creationId xmlns:a16="http://schemas.microsoft.com/office/drawing/2014/main" id="{5CDEDE17-AC64-4204-8E99-86CFF45B5C87}"/>
+              </a:ext>
+            </a:extLst>
+          </p:cNvPr>
+          <p:cNvGraphicFramePr>
+            <a:graphicFrameLocks noGrp="1"/>
+          </p:cNvGraphicFramePr>
+          <p:nvPr/>
+        </p:nvGraphicFramePr>
+        <p:xfrm>
+          <a:off x="1026204" y="2428759"/>
+          <a:ext cx="10139592" cy="1135380"/>
+        </p:xfrm>
+        <a:graphic>
+          <a:graphicData uri="http://schemas.openxmlformats.org/drawingml/2006/table">
+            <a:tbl>
+              <a:tblPr/>
+              <a:tblGrid>
+                <a:gridCol w="1586992">
+                  <a:extLst>
+                    <a:ext uri="{9D8B030D-6E8A-4147-A177-3AD203B41FA5}">
+                      <a16:colId xmlns:a16="http://schemas.microsoft.com/office/drawing/2014/main" val="3807873454"/>
+                    </a:ext>
+                  </a:extLst>
+                </a:gridCol>
+                <a:gridCol w="1069075">
+                  <a:extLst>
+                    <a:ext uri="{9D8B030D-6E8A-4147-A177-3AD203B41FA5}">
+                      <a16:colId xmlns:a16="http://schemas.microsoft.com/office/drawing/2014/main" val="3694698720"/>
+                    </a:ext>
+                  </a:extLst>
+                </a:gridCol>
+                <a:gridCol w="1069075">
+                  <a:extLst>
+                    <a:ext uri="{9D8B030D-6E8A-4147-A177-3AD203B41FA5}">
+                      <a16:colId xmlns:a16="http://schemas.microsoft.com/office/drawing/2014/main" val="2612347674"/>
+                    </a:ext>
+                  </a:extLst>
+                </a:gridCol>
+                <a:gridCol w="1069075">
+                  <a:extLst>
+                    <a:ext uri="{9D8B030D-6E8A-4147-A177-3AD203B41FA5}">
+                      <a16:colId xmlns:a16="http://schemas.microsoft.com/office/drawing/2014/main" val="822645063"/>
+                    </a:ext>
+                  </a:extLst>
+                </a:gridCol>
+                <a:gridCol w="1069075">
+                  <a:extLst>
+                    <a:ext uri="{9D8B030D-6E8A-4147-A177-3AD203B41FA5}">
+                      <a16:colId xmlns:a16="http://schemas.microsoft.com/office/drawing/2014/main" val="2833777587"/>
+                    </a:ext>
+                  </a:extLst>
+                </a:gridCol>
+                <a:gridCol w="1069075">
+                  <a:extLst>
+                    <a:ext uri="{9D8B030D-6E8A-4147-A177-3AD203B41FA5}">
+                      <a16:colId xmlns:a16="http://schemas.microsoft.com/office/drawing/2014/main" val="268264279"/>
+                    </a:ext>
+                  </a:extLst>
+                </a:gridCol>
+                <a:gridCol w="1069075">
+                  <a:extLst>
+                    <a:ext uri="{9D8B030D-6E8A-4147-A177-3AD203B41FA5}">
+                      <a16:colId xmlns:a16="http://schemas.microsoft.com/office/drawing/2014/main" val="3613693083"/>
+                    </a:ext>
+                  </a:extLst>
+                </a:gridCol>
+                <a:gridCol w="1069075">
+                  <a:extLst>
+                    <a:ext uri="{9D8B030D-6E8A-4147-A177-3AD203B41FA5}">
+                      <a16:colId xmlns:a16="http://schemas.microsoft.com/office/drawing/2014/main" val="3893595668"/>
+                    </a:ext>
+                  </a:extLst>
+                </a:gridCol>
+                <a:gridCol w="1069075">
+                  <a:extLst>
+                    <a:ext uri="{9D8B030D-6E8A-4147-A177-3AD203B41FA5}">
+                      <a16:colId xmlns:a16="http://schemas.microsoft.com/office/drawing/2014/main" val="2383567680"/>
+                    </a:ext>
+                  </a:extLst>
+                </a:gridCol>
+              </a:tblGrid>
+              <a:tr h="190500">
+                <a:tc>
+                  <a:txBody>
+                    <a:bodyPr/>
+                    <a:lstStyle/>
+                    <a:p>
+                      <a:pPr algn="l" fontAlgn="b"/>
+                      <a:endParaRPr lang="en-US" sz="1800" b="0" i="0" u="none" strike="noStrike" dirty="0">
+                        <a:solidFill>
+                          <a:srgbClr val="000000"/>
+                        </a:solidFill>
+                        <a:effectLst/>
+                        <a:latin typeface="Calibri" panose="020F0502020204030204" pitchFamily="34" charset="0"/>
+                      </a:endParaRPr>
+                    </a:p>
+                  </a:txBody>
+                  <a:tcPr marL="9525" marR="9525" marT="9525" marB="0" anchor="b">
+                    <a:lnL>
+                      <a:noFill/>
+                    </a:lnL>
+                    <a:lnR>
+                      <a:noFill/>
+                    </a:lnR>
+                    <a:lnT>
+                      <a:noFill/>
+                    </a:lnT>
+                    <a:lnB>
+                      <a:noFill/>
+                    </a:lnB>
+                  </a:tcPr>
+                </a:tc>
+                <a:tc>
+                  <a:txBody>
+                    <a:bodyPr/>
+                    <a:lstStyle/>
+                    <a:p>
+                      <a:pPr algn="ctr" fontAlgn="b"/>
+                      <a:r>
+                        <a:rPr lang="en-US" sz="1800" b="0" i="0" u="none" strike="noStrike" dirty="0">
+                          <a:solidFill>
+                            <a:srgbClr val="000000"/>
+                          </a:solidFill>
+                          <a:effectLst/>
+                          <a:latin typeface="Calibri" panose="020F0502020204030204" pitchFamily="34" charset="0"/>
+                        </a:rPr>
+                        <a:t>k</a:t>
+                      </a:r>
+                    </a:p>
+                  </a:txBody>
+                  <a:tcPr marL="9525" marR="9525" marT="9525" marB="0" anchor="b">
+                    <a:lnL>
+                      <a:noFill/>
+                    </a:lnL>
+                    <a:lnR>
+                      <a:noFill/>
+                    </a:lnR>
+                    <a:lnT>
+                      <a:noFill/>
+                    </a:lnT>
+                    <a:lnB>
+                      <a:noFill/>
+                    </a:lnB>
+                  </a:tcPr>
+                </a:tc>
+                <a:tc>
+                  <a:txBody>
+                    <a:bodyPr/>
+                    <a:lstStyle/>
+                    <a:p>
+                      <a:pPr algn="ctr" fontAlgn="b"/>
+                      <a:r>
+                        <a:rPr lang="en-US" sz="1800" b="0" i="0" u="none" strike="noStrike">
+                          <a:solidFill>
+                            <a:srgbClr val="000000"/>
+                          </a:solidFill>
+                          <a:effectLst/>
+                          <a:latin typeface="Calibri" panose="020F0502020204030204" pitchFamily="34" charset="0"/>
+                        </a:rPr>
+                        <a:t>samples</a:t>
+                      </a:r>
+                    </a:p>
+                  </a:txBody>
+                  <a:tcPr marL="9525" marR="9525" marT="9525" marB="0" anchor="b">
+                    <a:lnL>
+                      <a:noFill/>
+                    </a:lnL>
+                    <a:lnR>
+                      <a:noFill/>
+                    </a:lnR>
+                    <a:lnT>
+                      <a:noFill/>
+                    </a:lnT>
+                    <a:lnB>
+                      <a:noFill/>
+                    </a:lnB>
+                  </a:tcPr>
+                </a:tc>
+                <a:tc>
+                  <a:txBody>
+                    <a:bodyPr/>
+                    <a:lstStyle/>
+                    <a:p>
+                      <a:pPr algn="ctr" fontAlgn="b"/>
+                      <a:r>
+                        <a:rPr lang="en-US" sz="1800" b="0" i="0" u="none" strike="noStrike" dirty="0" err="1">
+                          <a:solidFill>
+                            <a:srgbClr val="000000"/>
+                          </a:solidFill>
+                          <a:effectLst/>
+                          <a:latin typeface="Calibri" panose="020F0502020204030204" pitchFamily="34" charset="0"/>
+                        </a:rPr>
+                        <a:t>GO_Terms</a:t>
+                      </a:r>
+                      <a:endParaRPr lang="en-US" sz="1800" b="0" i="0" u="none" strike="noStrike" dirty="0">
+                        <a:solidFill>
+                          <a:srgbClr val="000000"/>
+                        </a:solidFill>
+                        <a:effectLst/>
+                        <a:latin typeface="Calibri" panose="020F0502020204030204" pitchFamily="34" charset="0"/>
+                      </a:endParaRPr>
+                    </a:p>
+                  </a:txBody>
+                  <a:tcPr marL="9525" marR="9525" marT="9525" marB="0" anchor="b">
+                    <a:lnL>
+                      <a:noFill/>
+                    </a:lnL>
+                    <a:lnR>
+                      <a:noFill/>
+                    </a:lnR>
+                    <a:lnT>
+                      <a:noFill/>
+                    </a:lnT>
+                    <a:lnB>
+                      <a:noFill/>
+                    </a:lnB>
+                  </a:tcPr>
+                </a:tc>
+                <a:tc>
+                  <a:txBody>
+                    <a:bodyPr/>
+                    <a:lstStyle/>
+                    <a:p>
+                      <a:pPr algn="ctr" fontAlgn="b"/>
+                      <a:r>
+                        <a:rPr lang="en-US" sz="1800" b="0" i="0" u="none" strike="noStrike">
+                          <a:solidFill>
+                            <a:srgbClr val="000000"/>
+                          </a:solidFill>
+                          <a:effectLst/>
+                          <a:latin typeface="Calibri" panose="020F0502020204030204" pitchFamily="34" charset="0"/>
+                        </a:rPr>
+                        <a:t>NLE</a:t>
+                      </a:r>
+                    </a:p>
+                  </a:txBody>
+                  <a:tcPr marL="9525" marR="9525" marT="9525" marB="0" anchor="b">
+                    <a:lnL>
+                      <a:noFill/>
+                    </a:lnL>
+                    <a:lnR>
+                      <a:noFill/>
+                    </a:lnR>
+                    <a:lnT>
+                      <a:noFill/>
+                    </a:lnT>
+                    <a:lnB>
+                      <a:noFill/>
+                    </a:lnB>
+                  </a:tcPr>
+                </a:tc>
+                <a:tc>
+                  <a:txBody>
+                    <a:bodyPr/>
+                    <a:lstStyle/>
+                    <a:p>
+                      <a:pPr algn="ctr" fontAlgn="b"/>
+                      <a:r>
+                        <a:rPr lang="en-US" sz="1800" b="0" i="0" u="none" strike="noStrike">
+                          <a:solidFill>
+                            <a:srgbClr val="000000"/>
+                          </a:solidFill>
+                          <a:effectLst/>
+                          <a:latin typeface="Calibri" panose="020F0502020204030204" pitchFamily="34" charset="0"/>
+                        </a:rPr>
+                        <a:t>LogDet</a:t>
+                      </a:r>
+                    </a:p>
+                  </a:txBody>
+                  <a:tcPr marL="9525" marR="9525" marT="9525" marB="0" anchor="b">
+                    <a:lnL>
+                      <a:noFill/>
+                    </a:lnL>
+                    <a:lnR>
+                      <a:noFill/>
+                    </a:lnR>
+                    <a:lnT>
+                      <a:noFill/>
+                    </a:lnT>
+                    <a:lnB>
+                      <a:noFill/>
+                    </a:lnB>
+                  </a:tcPr>
+                </a:tc>
+                <a:tc>
+                  <a:txBody>
+                    <a:bodyPr/>
+                    <a:lstStyle/>
+                    <a:p>
+                      <a:pPr algn="ctr" fontAlgn="b"/>
+                      <a:r>
+                        <a:rPr lang="en-US" sz="1800" b="0" i="0" u="none" strike="noStrike">
+                          <a:solidFill>
+                            <a:srgbClr val="000000"/>
+                          </a:solidFill>
+                          <a:effectLst/>
+                          <a:latin typeface="Calibri" panose="020F0502020204030204" pitchFamily="34" charset="0"/>
+                        </a:rPr>
+                        <a:t>Laplace</a:t>
+                      </a:r>
+                    </a:p>
+                  </a:txBody>
+                  <a:tcPr marL="9525" marR="9525" marT="9525" marB="0" anchor="b">
+                    <a:lnL>
+                      <a:noFill/>
+                    </a:lnL>
+                    <a:lnR>
+                      <a:noFill/>
+                    </a:lnR>
+                    <a:lnT>
+                      <a:noFill/>
+                    </a:lnT>
+                    <a:lnB>
+                      <a:noFill/>
+                    </a:lnB>
+                  </a:tcPr>
+                </a:tc>
+                <a:tc>
+                  <a:txBody>
+                    <a:bodyPr/>
+                    <a:lstStyle/>
+                    <a:p>
+                      <a:pPr algn="ctr" fontAlgn="b"/>
+                      <a:r>
+                        <a:rPr lang="en-US" sz="1800" b="0" i="0" u="none" strike="noStrike">
+                          <a:solidFill>
+                            <a:srgbClr val="000000"/>
+                          </a:solidFill>
+                          <a:effectLst/>
+                          <a:latin typeface="Calibri" panose="020F0502020204030204" pitchFamily="34" charset="0"/>
+                        </a:rPr>
+                        <a:t>BIC</a:t>
+                      </a:r>
+                    </a:p>
+                  </a:txBody>
+                  <a:tcPr marL="9525" marR="9525" marT="9525" marB="0" anchor="b">
+                    <a:lnL>
+                      <a:noFill/>
+                    </a:lnL>
+                    <a:lnR>
+                      <a:noFill/>
+                    </a:lnR>
+                    <a:lnT>
+                      <a:noFill/>
+                    </a:lnT>
+                    <a:lnB>
+                      <a:noFill/>
+                    </a:lnB>
+                  </a:tcPr>
+                </a:tc>
+                <a:tc>
+                  <a:txBody>
+                    <a:bodyPr/>
+                    <a:lstStyle/>
+                    <a:p>
+                      <a:pPr algn="ctr" fontAlgn="b"/>
+                      <a:r>
+                        <a:rPr lang="en-US" sz="1800" b="0" i="0" u="none" strike="noStrike">
+                          <a:solidFill>
+                            <a:srgbClr val="000000"/>
+                          </a:solidFill>
+                          <a:effectLst/>
+                          <a:latin typeface="Calibri" panose="020F0502020204030204" pitchFamily="34" charset="0"/>
+                        </a:rPr>
+                        <a:t>AIC</a:t>
+                      </a:r>
+                    </a:p>
+                  </a:txBody>
+                  <a:tcPr marL="9525" marR="9525" marT="9525" marB="0" anchor="b">
+                    <a:lnL>
+                      <a:noFill/>
+                    </a:lnL>
+                    <a:lnR>
+                      <a:noFill/>
+                    </a:lnR>
+                    <a:lnT>
+                      <a:noFill/>
+                    </a:lnT>
+                    <a:lnB>
+                      <a:noFill/>
+                    </a:lnB>
+                  </a:tcPr>
+                </a:tc>
+                <a:extLst>
+                  <a:ext uri="{0D108BD9-81ED-4DB2-BD59-A6C34878D82A}">
+                    <a16:rowId xmlns:a16="http://schemas.microsoft.com/office/drawing/2014/main" val="838125338"/>
+                  </a:ext>
+                </a:extLst>
+              </a:tr>
+              <a:tr h="190500">
+                <a:tc>
+                  <a:txBody>
+                    <a:bodyPr/>
+                    <a:lstStyle/>
+                    <a:p>
+                      <a:pPr algn="l" fontAlgn="b"/>
+                      <a:r>
+                        <a:rPr lang="en-US" sz="1800" b="0" i="0" u="none" strike="noStrike" dirty="0" err="1">
+                          <a:solidFill>
+                            <a:srgbClr val="000000"/>
+                          </a:solidFill>
+                          <a:effectLst/>
+                          <a:latin typeface="Calibri" panose="020F0502020204030204" pitchFamily="34" charset="0"/>
+                        </a:rPr>
+                        <a:t>Control_Healthy</a:t>
+                      </a:r>
+                      <a:endParaRPr lang="en-US" sz="1800" b="0" i="0" u="none" strike="noStrike" dirty="0">
+                        <a:solidFill>
+                          <a:srgbClr val="000000"/>
+                        </a:solidFill>
+                        <a:effectLst/>
+                        <a:latin typeface="Calibri" panose="020F0502020204030204" pitchFamily="34" charset="0"/>
+                      </a:endParaRPr>
+                    </a:p>
+                  </a:txBody>
+                  <a:tcPr marL="9525" marR="9525" marT="9525" marB="0" anchor="b">
+                    <a:lnL>
+                      <a:noFill/>
+                    </a:lnL>
+                    <a:lnR>
+                      <a:noFill/>
+                    </a:lnR>
+                    <a:lnT>
+                      <a:noFill/>
+                    </a:lnT>
+                    <a:lnB>
+                      <a:noFill/>
+                    </a:lnB>
+                  </a:tcPr>
+                </a:tc>
+                <a:tc>
+                  <a:txBody>
+                    <a:bodyPr/>
+                    <a:lstStyle/>
+                    <a:p>
+                      <a:pPr algn="ctr" fontAlgn="b"/>
+                      <a:r>
+                        <a:rPr lang="en-US" sz="1800" b="0" i="0" u="none" strike="noStrike" dirty="0">
+                          <a:solidFill>
+                            <a:srgbClr val="000000"/>
+                          </a:solidFill>
+                          <a:effectLst/>
+                          <a:latin typeface="Calibri" panose="020F0502020204030204" pitchFamily="34" charset="0"/>
+                        </a:rPr>
+                        <a:t>1</a:t>
+                      </a:r>
+                    </a:p>
+                  </a:txBody>
+                  <a:tcPr marL="9525" marR="9525" marT="9525" marB="0" anchor="b">
+                    <a:lnL>
+                      <a:noFill/>
+                    </a:lnL>
+                    <a:lnR>
+                      <a:noFill/>
+                    </a:lnR>
+                    <a:lnT>
+                      <a:noFill/>
+                    </a:lnT>
+                    <a:lnB>
+                      <a:noFill/>
+                    </a:lnB>
+                  </a:tcPr>
+                </a:tc>
+                <a:tc>
+                  <a:txBody>
+                    <a:bodyPr/>
+                    <a:lstStyle/>
+                    <a:p>
+                      <a:pPr algn="ctr" fontAlgn="b"/>
+                      <a:r>
+                        <a:rPr lang="en-US" sz="1800" b="0" i="0" u="none" strike="noStrike" dirty="0">
+                          <a:solidFill>
+                            <a:srgbClr val="000000"/>
+                          </a:solidFill>
+                          <a:effectLst/>
+                          <a:latin typeface="Calibri" panose="020F0502020204030204" pitchFamily="34" charset="0"/>
+                        </a:rPr>
+                        <a:t>32</a:t>
+                      </a:r>
+                    </a:p>
+                  </a:txBody>
+                  <a:tcPr marL="9525" marR="9525" marT="9525" marB="0" anchor="b">
+                    <a:lnL>
+                      <a:noFill/>
+                    </a:lnL>
+                    <a:lnR>
+                      <a:noFill/>
+                    </a:lnR>
+                    <a:lnT>
+                      <a:noFill/>
+                    </a:lnT>
+                    <a:lnB>
+                      <a:noFill/>
+                    </a:lnB>
+                  </a:tcPr>
+                </a:tc>
+                <a:tc>
+                  <a:txBody>
+                    <a:bodyPr/>
+                    <a:lstStyle/>
+                    <a:p>
+                      <a:pPr algn="ctr" fontAlgn="b"/>
+                      <a:r>
+                        <a:rPr lang="en-US" sz="1800" b="0" i="0" u="none" strike="noStrike">
+                          <a:solidFill>
+                            <a:srgbClr val="000000"/>
+                          </a:solidFill>
+                          <a:effectLst/>
+                          <a:latin typeface="Calibri" panose="020F0502020204030204" pitchFamily="34" charset="0"/>
+                        </a:rPr>
+                        <a:t>2077</a:t>
+                      </a:r>
+                    </a:p>
+                  </a:txBody>
+                  <a:tcPr marL="9525" marR="9525" marT="9525" marB="0" anchor="b">
+                    <a:lnL>
+                      <a:noFill/>
+                    </a:lnL>
+                    <a:lnR>
+                      <a:noFill/>
+                    </a:lnR>
+                    <a:lnT>
+                      <a:noFill/>
+                    </a:lnT>
+                    <a:lnB>
+                      <a:noFill/>
+                    </a:lnB>
+                  </a:tcPr>
+                </a:tc>
+                <a:tc>
+                  <a:txBody>
+                    <a:bodyPr/>
+                    <a:lstStyle/>
+                    <a:p>
+                      <a:pPr algn="ctr" fontAlgn="b"/>
+                      <a:r>
+                        <a:rPr lang="en-US" sz="1800" b="0" i="0" u="none" strike="noStrike">
+                          <a:solidFill>
+                            <a:srgbClr val="000000"/>
+                          </a:solidFill>
+                          <a:effectLst/>
+                          <a:latin typeface="Calibri" panose="020F0502020204030204" pitchFamily="34" charset="0"/>
+                        </a:rPr>
+                        <a:t>53384.32</a:t>
+                      </a:r>
+                    </a:p>
+                  </a:txBody>
+                  <a:tcPr marL="9525" marR="9525" marT="9525" marB="0" anchor="b">
+                    <a:lnL>
+                      <a:noFill/>
+                    </a:lnL>
+                    <a:lnR>
+                      <a:noFill/>
+                    </a:lnR>
+                    <a:lnT>
+                      <a:noFill/>
+                    </a:lnT>
+                    <a:lnB>
+                      <a:noFill/>
+                    </a:lnB>
+                  </a:tcPr>
+                </a:tc>
+                <a:tc>
+                  <a:txBody>
+                    <a:bodyPr/>
+                    <a:lstStyle/>
+                    <a:p>
+                      <a:pPr algn="ctr" fontAlgn="b"/>
+                      <a:r>
+                        <a:rPr lang="en-US" sz="1800" b="0" i="0" u="none" strike="noStrike">
+                          <a:solidFill>
+                            <a:srgbClr val="000000"/>
+                          </a:solidFill>
+                          <a:effectLst/>
+                          <a:latin typeface="Calibri" panose="020F0502020204030204" pitchFamily="34" charset="0"/>
+                        </a:rPr>
+                        <a:t>-3058.99</a:t>
+                      </a:r>
+                    </a:p>
+                  </a:txBody>
+                  <a:tcPr marL="9525" marR="9525" marT="9525" marB="0" anchor="b">
+                    <a:lnL>
+                      <a:noFill/>
+                    </a:lnL>
+                    <a:lnR>
+                      <a:noFill/>
+                    </a:lnR>
+                    <a:lnT>
+                      <a:noFill/>
+                    </a:lnT>
+                    <a:lnB>
+                      <a:noFill/>
+                    </a:lnB>
+                  </a:tcPr>
+                </a:tc>
+                <a:tc>
+                  <a:txBody>
+                    <a:bodyPr/>
+                    <a:lstStyle/>
+                    <a:p>
+                      <a:pPr algn="ctr" fontAlgn="b"/>
+                      <a:r>
+                        <a:rPr lang="en-US" sz="1800" b="0" i="0" u="none" strike="noStrike">
+                          <a:solidFill>
+                            <a:srgbClr val="000000"/>
+                          </a:solidFill>
+                          <a:effectLst/>
+                          <a:latin typeface="Calibri" panose="020F0502020204030204" pitchFamily="34" charset="0"/>
+                        </a:rPr>
+                        <a:t>49946.19</a:t>
+                      </a:r>
+                    </a:p>
+                  </a:txBody>
+                  <a:tcPr marL="9525" marR="9525" marT="9525" marB="0" anchor="b">
+                    <a:lnL>
+                      <a:noFill/>
+                    </a:lnL>
+                    <a:lnR>
+                      <a:noFill/>
+                    </a:lnR>
+                    <a:lnT>
+                      <a:noFill/>
+                    </a:lnT>
+                    <a:lnB>
+                      <a:noFill/>
+                    </a:lnB>
+                  </a:tcPr>
+                </a:tc>
+                <a:tc>
+                  <a:txBody>
+                    <a:bodyPr/>
+                    <a:lstStyle/>
+                    <a:p>
+                      <a:pPr algn="ctr" fontAlgn="b"/>
+                      <a:r>
+                        <a:rPr lang="en-US" sz="1800" b="0" i="0" u="none" strike="noStrike">
+                          <a:solidFill>
+                            <a:srgbClr val="000000"/>
+                          </a:solidFill>
+                          <a:effectLst/>
+                          <a:latin typeface="Calibri" panose="020F0502020204030204" pitchFamily="34" charset="0"/>
+                        </a:rPr>
+                        <a:t>56983.48</a:t>
+                      </a:r>
+                    </a:p>
+                  </a:txBody>
+                  <a:tcPr marL="9525" marR="9525" marT="9525" marB="0" anchor="b">
+                    <a:lnL>
+                      <a:noFill/>
+                    </a:lnL>
+                    <a:lnR>
+                      <a:noFill/>
+                    </a:lnR>
+                    <a:lnT>
+                      <a:noFill/>
+                    </a:lnT>
+                    <a:lnB>
+                      <a:noFill/>
+                    </a:lnB>
+                  </a:tcPr>
+                </a:tc>
+                <a:tc>
+                  <a:txBody>
+                    <a:bodyPr/>
+                    <a:lstStyle/>
+                    <a:p>
+                      <a:pPr algn="ctr" fontAlgn="b"/>
+                      <a:r>
+                        <a:rPr lang="en-US" sz="1800" b="0" i="0" u="none" strike="noStrike">
+                          <a:solidFill>
+                            <a:srgbClr val="000000"/>
+                          </a:solidFill>
+                          <a:effectLst/>
+                          <a:latin typeface="Calibri" panose="020F0502020204030204" pitchFamily="34" charset="0"/>
+                        </a:rPr>
+                        <a:t>55461.32</a:t>
+                      </a:r>
+                    </a:p>
+                  </a:txBody>
+                  <a:tcPr marL="9525" marR="9525" marT="9525" marB="0" anchor="b">
+                    <a:lnL>
+                      <a:noFill/>
+                    </a:lnL>
+                    <a:lnR>
+                      <a:noFill/>
+                    </a:lnR>
+                    <a:lnT>
+                      <a:noFill/>
+                    </a:lnT>
+                    <a:lnB>
+                      <a:noFill/>
+                    </a:lnB>
+                  </a:tcPr>
+                </a:tc>
+                <a:extLst>
+                  <a:ext uri="{0D108BD9-81ED-4DB2-BD59-A6C34878D82A}">
+                    <a16:rowId xmlns:a16="http://schemas.microsoft.com/office/drawing/2014/main" val="4023281708"/>
+                  </a:ext>
+                </a:extLst>
+              </a:tr>
+              <a:tr h="190500">
+                <a:tc>
+                  <a:txBody>
+                    <a:bodyPr/>
+                    <a:lstStyle/>
+                    <a:p>
+                      <a:pPr algn="l" fontAlgn="b"/>
+                      <a:r>
+                        <a:rPr lang="en-US" sz="1800" b="0" i="0" u="none" strike="noStrike" dirty="0" err="1">
+                          <a:solidFill>
+                            <a:srgbClr val="000000"/>
+                          </a:solidFill>
+                          <a:effectLst/>
+                          <a:latin typeface="Calibri" panose="020F0502020204030204" pitchFamily="34" charset="0"/>
+                        </a:rPr>
                         <a:t>Control_Sick</a:t>
                       </a:r>
+                      <a:endParaRPr lang="en-US" sz="1800" b="0" i="0" u="none" strike="noStrike" dirty="0">
+                        <a:solidFill>
+                          <a:srgbClr val="000000"/>
+                        </a:solidFill>
+                        <a:effectLst/>
+                        <a:latin typeface="Calibri" panose="020F0502020204030204" pitchFamily="34" charset="0"/>
+                      </a:endParaRPr>
                     </a:p>
                   </a:txBody>
                   <a:tcPr marL="9525" marR="9525" marT="9525" marB="0" anchor="b">
@@ -5521,6 +7142,277 @@
                     </a:lnB>
                   </a:tcPr>
                 </a:tc>
+                <a:tc>
+                  <a:txBody>
+                    <a:bodyPr/>
+                    <a:lstStyle/>
+                    <a:p>
+                      <a:pPr algn="ctr" fontAlgn="b"/>
+                      <a:r>
+                        <a:rPr lang="en-US" sz="1800" b="0" i="0" u="none" strike="noStrike">
+                          <a:solidFill>
+                            <a:srgbClr val="000000"/>
+                          </a:solidFill>
+                          <a:effectLst/>
+                          <a:latin typeface="Calibri" panose="020F0502020204030204" pitchFamily="34" charset="0"/>
+                        </a:rPr>
+                        <a:t>2</a:t>
+                      </a:r>
+                    </a:p>
+                  </a:txBody>
+                  <a:tcPr marL="9525" marR="9525" marT="9525" marB="0" anchor="b">
+                    <a:lnL>
+                      <a:noFill/>
+                    </a:lnL>
+                    <a:lnR>
+                      <a:noFill/>
+                    </a:lnR>
+                    <a:lnT>
+                      <a:noFill/>
+                    </a:lnT>
+                    <a:lnB>
+                      <a:noFill/>
+                    </a:lnB>
+                  </a:tcPr>
+                </a:tc>
+                <a:tc>
+                  <a:txBody>
+                    <a:bodyPr/>
+                    <a:lstStyle/>
+                    <a:p>
+                      <a:pPr algn="ctr" fontAlgn="b"/>
+                      <a:r>
+                        <a:rPr lang="en-US" sz="1800" b="0" i="0" u="none" strike="noStrike" dirty="0">
+                          <a:solidFill>
+                            <a:srgbClr val="000000"/>
+                          </a:solidFill>
+                          <a:effectLst/>
+                          <a:latin typeface="Calibri" panose="020F0502020204030204" pitchFamily="34" charset="0"/>
+                        </a:rPr>
+                        <a:t>61</a:t>
+                      </a:r>
+                    </a:p>
+                  </a:txBody>
+                  <a:tcPr marL="9525" marR="9525" marT="9525" marB="0" anchor="b">
+                    <a:lnL>
+                      <a:noFill/>
+                    </a:lnL>
+                    <a:lnR>
+                      <a:noFill/>
+                    </a:lnR>
+                    <a:lnT>
+                      <a:noFill/>
+                    </a:lnT>
+                    <a:lnB>
+                      <a:noFill/>
+                    </a:lnB>
+                  </a:tcPr>
+                </a:tc>
+                <a:tc>
+                  <a:txBody>
+                    <a:bodyPr/>
+                    <a:lstStyle/>
+                    <a:p>
+                      <a:pPr algn="ctr" fontAlgn="b"/>
+                      <a:r>
+                        <a:rPr lang="en-US" sz="1800" b="0" i="0" u="none" strike="noStrike" dirty="0">
+                          <a:solidFill>
+                            <a:srgbClr val="000000"/>
+                          </a:solidFill>
+                          <a:effectLst/>
+                          <a:latin typeface="Calibri" panose="020F0502020204030204" pitchFamily="34" charset="0"/>
+                        </a:rPr>
+                        <a:t>2077</a:t>
+                      </a:r>
+                    </a:p>
+                  </a:txBody>
+                  <a:tcPr marL="9525" marR="9525" marT="9525" marB="0" anchor="b">
+                    <a:lnL>
+                      <a:noFill/>
+                    </a:lnL>
+                    <a:lnR>
+                      <a:noFill/>
+                    </a:lnR>
+                    <a:lnT>
+                      <a:noFill/>
+                    </a:lnT>
+                    <a:lnB>
+                      <a:noFill/>
+                    </a:lnB>
+                  </a:tcPr>
+                </a:tc>
+                <a:tc>
+                  <a:txBody>
+                    <a:bodyPr/>
+                    <a:lstStyle/>
+                    <a:p>
+                      <a:pPr algn="ctr" fontAlgn="b"/>
+                      <a:r>
+                        <a:rPr lang="en-US" sz="1800" b="0" i="0" u="none" strike="noStrike" dirty="0">
+                          <a:solidFill>
+                            <a:srgbClr val="000000"/>
+                          </a:solidFill>
+                          <a:effectLst/>
+                          <a:latin typeface="Calibri" panose="020F0502020204030204" pitchFamily="34" charset="0"/>
+                        </a:rPr>
+                        <a:t>101327</a:t>
+                      </a:r>
+                    </a:p>
+                  </a:txBody>
+                  <a:tcPr marL="9525" marR="9525" marT="9525" marB="0" anchor="b">
+                    <a:lnL>
+                      <a:noFill/>
+                    </a:lnL>
+                    <a:lnR>
+                      <a:noFill/>
+                    </a:lnR>
+                    <a:lnT>
+                      <a:noFill/>
+                    </a:lnT>
+                    <a:lnB>
+                      <a:noFill/>
+                    </a:lnB>
+                  </a:tcPr>
+                </a:tc>
+                <a:tc>
+                  <a:txBody>
+                    <a:bodyPr/>
+                    <a:lstStyle/>
+                    <a:p>
+                      <a:pPr algn="ctr" fontAlgn="b"/>
+                      <a:r>
+                        <a:rPr lang="en-US" sz="1800" b="0" i="0" u="none" strike="noStrike">
+                          <a:solidFill>
+                            <a:srgbClr val="000000"/>
+                          </a:solidFill>
+                          <a:effectLst/>
+                          <a:latin typeface="Calibri" panose="020F0502020204030204" pitchFamily="34" charset="0"/>
+                        </a:rPr>
+                        <a:t>-6709.36</a:t>
+                      </a:r>
+                    </a:p>
+                  </a:txBody>
+                  <a:tcPr marL="9525" marR="9525" marT="9525" marB="0" anchor="b">
+                    <a:lnL>
+                      <a:noFill/>
+                    </a:lnL>
+                    <a:lnR>
+                      <a:noFill/>
+                    </a:lnR>
+                    <a:lnT>
+                      <a:noFill/>
+                    </a:lnT>
+                    <a:lnB>
+                      <a:noFill/>
+                    </a:lnB>
+                  </a:tcPr>
+                </a:tc>
+                <a:tc>
+                  <a:txBody>
+                    <a:bodyPr/>
+                    <a:lstStyle/>
+                    <a:p>
+                      <a:pPr algn="ctr" fontAlgn="b"/>
+                      <a:r>
+                        <a:rPr lang="en-US" sz="1800" b="0" i="0" u="none" strike="noStrike">
+                          <a:solidFill>
+                            <a:srgbClr val="000000"/>
+                          </a:solidFill>
+                          <a:effectLst/>
+                          <a:latin typeface="Calibri" panose="020F0502020204030204" pitchFamily="34" charset="0"/>
+                        </a:rPr>
+                        <a:t>94154.15</a:t>
+                      </a:r>
+                    </a:p>
+                  </a:txBody>
+                  <a:tcPr marL="9525" marR="9525" marT="9525" marB="0" anchor="b">
+                    <a:lnL>
+                      <a:noFill/>
+                    </a:lnL>
+                    <a:lnR>
+                      <a:noFill/>
+                    </a:lnR>
+                    <a:lnT>
+                      <a:noFill/>
+                    </a:lnT>
+                    <a:lnB>
+                      <a:noFill/>
+                    </a:lnB>
+                  </a:tcPr>
+                </a:tc>
+                <a:tc>
+                  <a:txBody>
+                    <a:bodyPr/>
+                    <a:lstStyle/>
+                    <a:p>
+                      <a:pPr algn="ctr" fontAlgn="b"/>
+                      <a:r>
+                        <a:rPr lang="en-US" sz="1800" b="0" i="0" u="none" strike="noStrike">
+                          <a:solidFill>
+                            <a:srgbClr val="000000"/>
+                          </a:solidFill>
+                          <a:effectLst/>
+                          <a:latin typeface="Calibri" panose="020F0502020204030204" pitchFamily="34" charset="0"/>
+                        </a:rPr>
+                        <a:t>109867.4</a:t>
+                      </a:r>
+                    </a:p>
+                  </a:txBody>
+                  <a:tcPr marL="9525" marR="9525" marT="9525" marB="0" anchor="b">
+                    <a:lnL>
+                      <a:noFill/>
+                    </a:lnL>
+                    <a:lnR>
+                      <a:noFill/>
+                    </a:lnR>
+                    <a:lnT>
+                      <a:noFill/>
+                    </a:lnT>
+                    <a:lnB>
+                      <a:noFill/>
+                    </a:lnB>
+                  </a:tcPr>
+                </a:tc>
+                <a:tc>
+                  <a:txBody>
+                    <a:bodyPr/>
+                    <a:lstStyle/>
+                    <a:p>
+                      <a:pPr algn="ctr" fontAlgn="b"/>
+                      <a:r>
+                        <a:rPr lang="en-US" sz="1800" b="0" i="0" u="none" strike="noStrike">
+                          <a:solidFill>
+                            <a:srgbClr val="000000"/>
+                          </a:solidFill>
+                          <a:effectLst/>
+                          <a:latin typeface="Calibri" panose="020F0502020204030204" pitchFamily="34" charset="0"/>
+                        </a:rPr>
+                        <a:t>105482</a:t>
+                      </a:r>
+                    </a:p>
+                  </a:txBody>
+                  <a:tcPr marL="9525" marR="9525" marT="9525" marB="0" anchor="b">
+                    <a:lnL>
+                      <a:noFill/>
+                    </a:lnL>
+                    <a:lnR>
+                      <a:noFill/>
+                    </a:lnR>
+                    <a:lnT>
+                      <a:noFill/>
+                    </a:lnT>
+                    <a:lnB>
+                      <a:noFill/>
+                    </a:lnB>
+                  </a:tcPr>
+                </a:tc>
+                <a:extLst>
+                  <a:ext uri="{0D108BD9-81ED-4DB2-BD59-A6C34878D82A}">
+                    <a16:rowId xmlns:a16="http://schemas.microsoft.com/office/drawing/2014/main" val="2897094776"/>
+                  </a:ext>
+                </a:extLst>
+              </a:tr>
+              <a:tr h="190500">
                 <a:tc>
                   <a:txBody>
                     <a:bodyPr/>
@@ -5559,7 +7451,7 @@
                     <a:bodyPr/>
                     <a:lstStyle/>
                     <a:p>
-                      <a:pPr algn="l" fontAlgn="b"/>
+                      <a:pPr algn="ctr" fontAlgn="b"/>
                       <a:r>
                         <a:rPr lang="en-US" sz="1800" b="0" i="0" u="none" strike="noStrike">
                           <a:solidFill>
@@ -5568,7 +7460,7 @@
                           <a:effectLst/>
                           <a:latin typeface="Calibri" panose="020F0502020204030204" pitchFamily="34" charset="0"/>
                         </a:rPr>
-                        <a:t>Control_Sick+COVID19</a:t>
+                        <a:t>2</a:t>
                       </a:r>
                     </a:p>
                   </a:txBody>
@@ -5587,19 +7479,12 @@
                     </a:lnB>
                   </a:tcPr>
                 </a:tc>
-                <a:extLst>
-                  <a:ext uri="{0D108BD9-81ED-4DB2-BD59-A6C34878D82A}">
-                    <a16:rowId xmlns:a16="http://schemas.microsoft.com/office/drawing/2014/main" val="3858714576"/>
-                  </a:ext>
-                </a:extLst>
-              </a:tr>
-              <a:tr h="190500">
-                <a:tc>
-                  <a:txBody>
-                    <a:bodyPr/>
-                    <a:lstStyle/>
-                    <a:p>
-                      <a:pPr algn="r" fontAlgn="b"/>
+                <a:tc>
+                  <a:txBody>
+                    <a:bodyPr/>
+                    <a:lstStyle/>
+                    <a:p>
+                      <a:pPr algn="ctr" fontAlgn="b"/>
                       <a:r>
                         <a:rPr lang="en-US" sz="1800" b="0" i="0" u="none" strike="noStrike">
                           <a:solidFill>
@@ -5608,6 +7493,477 @@
                           <a:effectLst/>
                           <a:latin typeface="Calibri" panose="020F0502020204030204" pitchFamily="34" charset="0"/>
                         </a:rPr>
+                        <a:t>33</a:t>
+                      </a:r>
+                    </a:p>
+                  </a:txBody>
+                  <a:tcPr marL="9525" marR="9525" marT="9525" marB="0" anchor="b">
+                    <a:lnL>
+                      <a:noFill/>
+                    </a:lnL>
+                    <a:lnR>
+                      <a:noFill/>
+                    </a:lnR>
+                    <a:lnT>
+                      <a:noFill/>
+                    </a:lnT>
+                    <a:lnB>
+                      <a:noFill/>
+                    </a:lnB>
+                  </a:tcPr>
+                </a:tc>
+                <a:tc>
+                  <a:txBody>
+                    <a:bodyPr/>
+                    <a:lstStyle/>
+                    <a:p>
+                      <a:pPr algn="ctr" fontAlgn="b"/>
+                      <a:r>
+                        <a:rPr lang="en-US" sz="1800" b="0" i="0" u="none" strike="noStrike">
+                          <a:solidFill>
+                            <a:srgbClr val="000000"/>
+                          </a:solidFill>
+                          <a:effectLst/>
+                          <a:latin typeface="Calibri" panose="020F0502020204030204" pitchFamily="34" charset="0"/>
+                        </a:rPr>
+                        <a:t>2077</a:t>
+                      </a:r>
+                    </a:p>
+                  </a:txBody>
+                  <a:tcPr marL="9525" marR="9525" marT="9525" marB="0" anchor="b">
+                    <a:lnL>
+                      <a:noFill/>
+                    </a:lnL>
+                    <a:lnR>
+                      <a:noFill/>
+                    </a:lnR>
+                    <a:lnT>
+                      <a:noFill/>
+                    </a:lnT>
+                    <a:lnB>
+                      <a:noFill/>
+                    </a:lnB>
+                  </a:tcPr>
+                </a:tc>
+                <a:tc>
+                  <a:txBody>
+                    <a:bodyPr/>
+                    <a:lstStyle/>
+                    <a:p>
+                      <a:pPr algn="ctr" fontAlgn="b"/>
+                      <a:r>
+                        <a:rPr lang="en-US" sz="1800" b="0" i="0" u="none" strike="noStrike" dirty="0">
+                          <a:solidFill>
+                            <a:srgbClr val="000000"/>
+                          </a:solidFill>
+                          <a:effectLst/>
+                          <a:latin typeface="Calibri" panose="020F0502020204030204" pitchFamily="34" charset="0"/>
+                        </a:rPr>
+                        <a:t>77762.51</a:t>
+                      </a:r>
+                    </a:p>
+                  </a:txBody>
+                  <a:tcPr marL="9525" marR="9525" marT="9525" marB="0" anchor="b">
+                    <a:lnL>
+                      <a:noFill/>
+                    </a:lnL>
+                    <a:lnR>
+                      <a:noFill/>
+                    </a:lnR>
+                    <a:lnT>
+                      <a:noFill/>
+                    </a:lnT>
+                    <a:lnB>
+                      <a:noFill/>
+                    </a:lnB>
+                  </a:tcPr>
+                </a:tc>
+                <a:tc>
+                  <a:txBody>
+                    <a:bodyPr/>
+                    <a:lstStyle/>
+                    <a:p>
+                      <a:pPr algn="ctr" fontAlgn="b"/>
+                      <a:r>
+                        <a:rPr lang="en-US" sz="1800" b="0" i="0" u="none" strike="noStrike" dirty="0">
+                          <a:solidFill>
+                            <a:srgbClr val="000000"/>
+                          </a:solidFill>
+                          <a:effectLst/>
+                          <a:latin typeface="Calibri" panose="020F0502020204030204" pitchFamily="34" charset="0"/>
+                        </a:rPr>
+                        <a:t>-1898.72</a:t>
+                      </a:r>
+                    </a:p>
+                  </a:txBody>
+                  <a:tcPr marL="9525" marR="9525" marT="9525" marB="0" anchor="b">
+                    <a:lnL>
+                      <a:noFill/>
+                    </a:lnL>
+                    <a:lnR>
+                      <a:noFill/>
+                    </a:lnR>
+                    <a:lnT>
+                      <a:noFill/>
+                    </a:lnT>
+                    <a:lnB>
+                      <a:noFill/>
+                    </a:lnB>
+                  </a:tcPr>
+                </a:tc>
+                <a:tc>
+                  <a:txBody>
+                    <a:bodyPr/>
+                    <a:lstStyle/>
+                    <a:p>
+                      <a:pPr algn="ctr" fontAlgn="b"/>
+                      <a:r>
+                        <a:rPr lang="en-US" sz="1800" b="0" i="0" u="none" strike="noStrike" dirty="0">
+                          <a:solidFill>
+                            <a:srgbClr val="000000"/>
+                          </a:solidFill>
+                          <a:effectLst/>
+                          <a:latin typeface="Calibri" panose="020F0502020204030204" pitchFamily="34" charset="0"/>
+                        </a:rPr>
+                        <a:t>72994.96</a:t>
+                      </a:r>
+                    </a:p>
+                  </a:txBody>
+                  <a:tcPr marL="9525" marR="9525" marT="9525" marB="0" anchor="b">
+                    <a:lnL>
+                      <a:noFill/>
+                    </a:lnL>
+                    <a:lnR>
+                      <a:noFill/>
+                    </a:lnR>
+                    <a:lnT>
+                      <a:noFill/>
+                    </a:lnT>
+                    <a:lnB>
+                      <a:noFill/>
+                    </a:lnB>
+                  </a:tcPr>
+                </a:tc>
+                <a:tc>
+                  <a:txBody>
+                    <a:bodyPr/>
+                    <a:lstStyle/>
+                    <a:p>
+                      <a:pPr algn="ctr" fontAlgn="b"/>
+                      <a:r>
+                        <a:rPr lang="en-US" sz="1800" b="0" i="0" u="none" strike="noStrike" dirty="0">
+                          <a:solidFill>
+                            <a:srgbClr val="000000"/>
+                          </a:solidFill>
+                          <a:effectLst/>
+                          <a:latin typeface="Calibri" panose="020F0502020204030204" pitchFamily="34" charset="0"/>
+                        </a:rPr>
+                        <a:t>85026.5</a:t>
+                      </a:r>
+                    </a:p>
+                  </a:txBody>
+                  <a:tcPr marL="9525" marR="9525" marT="9525" marB="0" anchor="b">
+                    <a:lnL>
+                      <a:noFill/>
+                    </a:lnL>
+                    <a:lnR>
+                      <a:noFill/>
+                    </a:lnR>
+                    <a:lnT>
+                      <a:noFill/>
+                    </a:lnT>
+                    <a:lnB>
+                      <a:noFill/>
+                    </a:lnB>
+                  </a:tcPr>
+                </a:tc>
+                <a:tc>
+                  <a:txBody>
+                    <a:bodyPr/>
+                    <a:lstStyle/>
+                    <a:p>
+                      <a:pPr algn="ctr" fontAlgn="b"/>
+                      <a:r>
+                        <a:rPr lang="en-US" sz="1800" b="0" i="0" u="none" strike="noStrike" dirty="0">
+                          <a:solidFill>
+                            <a:srgbClr val="000000"/>
+                          </a:solidFill>
+                          <a:effectLst/>
+                          <a:latin typeface="Calibri" panose="020F0502020204030204" pitchFamily="34" charset="0"/>
+                        </a:rPr>
+                        <a:t>81917.51</a:t>
+                      </a:r>
+                    </a:p>
+                  </a:txBody>
+                  <a:tcPr marL="9525" marR="9525" marT="9525" marB="0" anchor="b">
+                    <a:lnL>
+                      <a:noFill/>
+                    </a:lnL>
+                    <a:lnR>
+                      <a:noFill/>
+                    </a:lnR>
+                    <a:lnT>
+                      <a:noFill/>
+                    </a:lnT>
+                    <a:lnB>
+                      <a:noFill/>
+                    </a:lnB>
+                  </a:tcPr>
+                </a:tc>
+                <a:extLst>
+                  <a:ext uri="{0D108BD9-81ED-4DB2-BD59-A6C34878D82A}">
+                    <a16:rowId xmlns:a16="http://schemas.microsoft.com/office/drawing/2014/main" val="4096037249"/>
+                  </a:ext>
+                </a:extLst>
+              </a:tr>
+            </a:tbl>
+          </a:graphicData>
+        </a:graphic>
+      </p:graphicFrame>
+      <p:graphicFrame>
+        <p:nvGraphicFramePr>
+          <p:cNvPr id="10" name="Table 9">
+            <a:extLst>
+              <a:ext uri="{FF2B5EF4-FFF2-40B4-BE49-F238E27FC236}">
+                <a16:creationId xmlns:a16="http://schemas.microsoft.com/office/drawing/2014/main" id="{28F40D94-D132-4349-B1C0-A357316E4E7C}"/>
+              </a:ext>
+            </a:extLst>
+          </p:cNvPr>
+          <p:cNvGraphicFramePr>
+            <a:graphicFrameLocks noGrp="1"/>
+          </p:cNvGraphicFramePr>
+          <p:nvPr/>
+        </p:nvGraphicFramePr>
+        <p:xfrm>
+          <a:off x="3373619" y="4267761"/>
+          <a:ext cx="6022828" cy="1135380"/>
+        </p:xfrm>
+        <a:graphic>
+          <a:graphicData uri="http://schemas.openxmlformats.org/drawingml/2006/table">
+            <a:tbl>
+              <a:tblPr/>
+              <a:tblGrid>
+                <a:gridCol w="1586992">
+                  <a:extLst>
+                    <a:ext uri="{9D8B030D-6E8A-4147-A177-3AD203B41FA5}">
+                      <a16:colId xmlns:a16="http://schemas.microsoft.com/office/drawing/2014/main" val="2255166992"/>
+                    </a:ext>
+                  </a:extLst>
+                </a:gridCol>
+                <a:gridCol w="1229296">
+                  <a:extLst>
+                    <a:ext uri="{9D8B030D-6E8A-4147-A177-3AD203B41FA5}">
+                      <a16:colId xmlns:a16="http://schemas.microsoft.com/office/drawing/2014/main" val="2537931343"/>
+                    </a:ext>
+                  </a:extLst>
+                </a:gridCol>
+                <a:gridCol w="939800">
+                  <a:extLst>
+                    <a:ext uri="{9D8B030D-6E8A-4147-A177-3AD203B41FA5}">
+                      <a16:colId xmlns:a16="http://schemas.microsoft.com/office/drawing/2014/main" val="1818781805"/>
+                    </a:ext>
+                  </a:extLst>
+                </a:gridCol>
+                <a:gridCol w="2266740">
+                  <a:extLst>
+                    <a:ext uri="{9D8B030D-6E8A-4147-A177-3AD203B41FA5}">
+                      <a16:colId xmlns:a16="http://schemas.microsoft.com/office/drawing/2014/main" val="231773038"/>
+                    </a:ext>
+                  </a:extLst>
+                </a:gridCol>
+              </a:tblGrid>
+              <a:tr h="190500">
+                <a:tc>
+                  <a:txBody>
+                    <a:bodyPr/>
+                    <a:lstStyle/>
+                    <a:p>
+                      <a:pPr algn="ctr" fontAlgn="b"/>
+                      <a:r>
+                        <a:rPr lang="en-US" sz="1800" b="0" i="0" u="none" strike="noStrike" dirty="0" err="1">
+                          <a:solidFill>
+                            <a:srgbClr val="000000"/>
+                          </a:solidFill>
+                          <a:effectLst/>
+                          <a:latin typeface="Calibri" panose="020F0502020204030204" pitchFamily="34" charset="0"/>
+                        </a:rPr>
+                        <a:t>Control_Healthy</a:t>
+                      </a:r>
+                      <a:endParaRPr lang="en-US" sz="1800" b="0" i="0" u="none" strike="noStrike" dirty="0">
+                        <a:solidFill>
+                          <a:srgbClr val="000000"/>
+                        </a:solidFill>
+                        <a:effectLst/>
+                        <a:latin typeface="Calibri" panose="020F0502020204030204" pitchFamily="34" charset="0"/>
+                      </a:endParaRPr>
+                    </a:p>
+                  </a:txBody>
+                  <a:tcPr marL="9525" marR="9525" marT="9525" marB="0" anchor="b">
+                    <a:lnL>
+                      <a:noFill/>
+                    </a:lnL>
+                    <a:lnR>
+                      <a:noFill/>
+                    </a:lnR>
+                    <a:lnT>
+                      <a:noFill/>
+                    </a:lnT>
+                    <a:lnB w="12700" cap="flat" cmpd="sng" algn="ctr">
+                      <a:solidFill>
+                        <a:schemeClr val="tx1"/>
+                      </a:solidFill>
+                      <a:prstDash val="solid"/>
+                      <a:round/>
+                      <a:headEnd type="none" w="med" len="med"/>
+                      <a:tailEnd type="none" w="med" len="med"/>
+                    </a:lnB>
+                  </a:tcPr>
+                </a:tc>
+                <a:tc>
+                  <a:txBody>
+                    <a:bodyPr/>
+                    <a:lstStyle/>
+                    <a:p>
+                      <a:pPr algn="ctr" fontAlgn="b"/>
+                      <a:r>
+                        <a:rPr lang="en-US" sz="1800" b="0" i="0" u="none" strike="noStrike" dirty="0" err="1">
+                          <a:solidFill>
+                            <a:srgbClr val="000000"/>
+                          </a:solidFill>
+                          <a:effectLst/>
+                          <a:latin typeface="Calibri" panose="020F0502020204030204" pitchFamily="34" charset="0"/>
+                        </a:rPr>
+                        <a:t>Control_Sick</a:t>
+                      </a:r>
+                      <a:endParaRPr lang="en-US" sz="1800" b="0" i="0" u="none" strike="noStrike" dirty="0">
+                        <a:solidFill>
+                          <a:srgbClr val="000000"/>
+                        </a:solidFill>
+                        <a:effectLst/>
+                        <a:latin typeface="Calibri" panose="020F0502020204030204" pitchFamily="34" charset="0"/>
+                      </a:endParaRPr>
+                    </a:p>
+                  </a:txBody>
+                  <a:tcPr marL="9525" marR="9525" marT="9525" marB="0" anchor="b">
+                    <a:lnL>
+                      <a:noFill/>
+                    </a:lnL>
+                    <a:lnR>
+                      <a:noFill/>
+                    </a:lnR>
+                    <a:lnT>
+                      <a:noFill/>
+                    </a:lnT>
+                    <a:lnB w="12700" cap="flat" cmpd="sng" algn="ctr">
+                      <a:solidFill>
+                        <a:schemeClr val="tx1"/>
+                      </a:solidFill>
+                      <a:prstDash val="solid"/>
+                      <a:round/>
+                      <a:headEnd type="none" w="med" len="med"/>
+                      <a:tailEnd type="none" w="med" len="med"/>
+                    </a:lnB>
+                  </a:tcPr>
+                </a:tc>
+                <a:tc>
+                  <a:txBody>
+                    <a:bodyPr/>
+                    <a:lstStyle/>
+                    <a:p>
+                      <a:pPr algn="ctr" fontAlgn="b"/>
+                      <a:r>
+                        <a:rPr lang="en-US" sz="1800" b="0" i="0" u="none" strike="noStrike" dirty="0">
+                          <a:solidFill>
+                            <a:srgbClr val="000000"/>
+                          </a:solidFill>
+                          <a:effectLst/>
+                          <a:latin typeface="Calibri" panose="020F0502020204030204" pitchFamily="34" charset="0"/>
+                        </a:rPr>
+                        <a:t>COVID19</a:t>
+                      </a:r>
+                    </a:p>
+                  </a:txBody>
+                  <a:tcPr marL="9525" marR="9525" marT="9525" marB="0" anchor="b">
+                    <a:lnL>
+                      <a:noFill/>
+                    </a:lnL>
+                    <a:lnR>
+                      <a:noFill/>
+                    </a:lnR>
+                    <a:lnT>
+                      <a:noFill/>
+                    </a:lnT>
+                    <a:lnB w="12700" cap="flat" cmpd="sng" algn="ctr">
+                      <a:solidFill>
+                        <a:schemeClr val="tx1"/>
+                      </a:solidFill>
+                      <a:prstDash val="solid"/>
+                      <a:round/>
+                      <a:headEnd type="none" w="med" len="med"/>
+                      <a:tailEnd type="none" w="med" len="med"/>
+                    </a:lnB>
+                  </a:tcPr>
+                </a:tc>
+                <a:tc>
+                  <a:txBody>
+                    <a:bodyPr/>
+                    <a:lstStyle/>
+                    <a:p>
+                      <a:pPr algn="ctr" fontAlgn="b"/>
+                      <a:r>
+                        <a:rPr lang="en-US" sz="1800" b="0" i="0" u="none" strike="noStrike" dirty="0">
+                          <a:solidFill>
+                            <a:srgbClr val="000000"/>
+                          </a:solidFill>
+                          <a:effectLst/>
+                          <a:latin typeface="Calibri" panose="020F0502020204030204" pitchFamily="34" charset="0"/>
+                        </a:rPr>
+                        <a:t>Control_Sick+COVID19</a:t>
+                      </a:r>
+                    </a:p>
+                  </a:txBody>
+                  <a:tcPr marL="9525" marR="9525" marT="9525" marB="0" anchor="b">
+                    <a:lnL>
+                      <a:noFill/>
+                    </a:lnL>
+                    <a:lnR>
+                      <a:noFill/>
+                    </a:lnR>
+                    <a:lnT>
+                      <a:noFill/>
+                    </a:lnT>
+                    <a:lnB w="12700" cap="flat" cmpd="sng" algn="ctr">
+                      <a:solidFill>
+                        <a:schemeClr val="tx1"/>
+                      </a:solidFill>
+                      <a:prstDash val="solid"/>
+                      <a:round/>
+                      <a:headEnd type="none" w="med" len="med"/>
+                      <a:tailEnd type="none" w="med" len="med"/>
+                    </a:lnB>
+                  </a:tcPr>
+                </a:tc>
+                <a:extLst>
+                  <a:ext uri="{0D108BD9-81ED-4DB2-BD59-A6C34878D82A}">
+                    <a16:rowId xmlns:a16="http://schemas.microsoft.com/office/drawing/2014/main" val="3858714576"/>
+                  </a:ext>
+                </a:extLst>
+              </a:tr>
+              <a:tr h="190500">
+                <a:tc>
+                  <a:txBody>
+                    <a:bodyPr/>
+                    <a:lstStyle/>
+                    <a:p>
+                      <a:pPr algn="ctr" fontAlgn="b"/>
+                      <a:r>
+                        <a:rPr lang="en-US" sz="1800" b="0" i="0" u="none" strike="noStrike" dirty="0">
+                          <a:solidFill>
+                            <a:srgbClr val="000000"/>
+                          </a:solidFill>
+                          <a:effectLst/>
+                          <a:latin typeface="Calibri" panose="020F0502020204030204" pitchFamily="34" charset="0"/>
+                        </a:rPr>
                         <a:t>49946.19</a:t>
                       </a:r>
                     </a:p>
@@ -5619,8 +7975,14 @@
                     <a:lnR>
                       <a:noFill/>
                     </a:lnR>
-                    <a:lnT>
-                      <a:noFill/>
+                    <a:lnT w="12700" cap="flat" cmpd="sng" algn="ctr">
+                      <a:solidFill>
+                        <a:schemeClr val="tx1"/>
+                      </a:solidFill>
+                      <a:prstDash val="solid"/>
+                      <a:round/>
+                      <a:headEnd type="none" w="med" len="med"/>
+                      <a:tailEnd type="none" w="med" len="med"/>
                     </a:lnT>
                     <a:lnB>
                       <a:noFill/>
@@ -5632,7 +7994,7 @@
                     <a:bodyPr/>
                     <a:lstStyle/>
                     <a:p>
-                      <a:pPr algn="r" fontAlgn="b"/>
+                      <a:pPr algn="ctr" fontAlgn="b"/>
                       <a:r>
                         <a:rPr lang="en-US" sz="1800" b="0" i="0" u="none" strike="noStrike">
                           <a:solidFill>
@@ -5652,8 +8014,14 @@
                     <a:lnR>
                       <a:noFill/>
                     </a:lnR>
-                    <a:lnT>
-                      <a:noFill/>
+                    <a:lnT w="12700" cap="flat" cmpd="sng" algn="ctr">
+                      <a:solidFill>
+                        <a:schemeClr val="tx1"/>
+                      </a:solidFill>
+                      <a:prstDash val="solid"/>
+                      <a:round/>
+                      <a:headEnd type="none" w="med" len="med"/>
+                      <a:tailEnd type="none" w="med" len="med"/>
                     </a:lnT>
                     <a:lnB>
                       <a:noFill/>
@@ -5665,7 +8033,7 @@
                     <a:bodyPr/>
                     <a:lstStyle/>
                     <a:p>
-                      <a:pPr algn="r" fontAlgn="b"/>
+                      <a:pPr algn="ctr" fontAlgn="b"/>
                       <a:r>
                         <a:rPr lang="en-US" sz="1800" b="0" i="0" u="none" strike="noStrike">
                           <a:solidFill>
@@ -5685,8 +8053,14 @@
                     <a:lnR>
                       <a:noFill/>
                     </a:lnR>
-                    <a:lnT>
-                      <a:noFill/>
+                    <a:lnT w="12700" cap="flat" cmpd="sng" algn="ctr">
+                      <a:solidFill>
+                        <a:schemeClr val="tx1"/>
+                      </a:solidFill>
+                      <a:prstDash val="solid"/>
+                      <a:round/>
+                      <a:headEnd type="none" w="med" len="med"/>
+                      <a:tailEnd type="none" w="med" len="med"/>
                     </a:lnT>
                     <a:lnB>
                       <a:noFill/>
@@ -5698,9 +8072,9 @@
                     <a:bodyPr/>
                     <a:lstStyle/>
                     <a:p>
-                      <a:pPr algn="r" fontAlgn="b"/>
+                      <a:pPr algn="ctr" fontAlgn="b"/>
                       <a:r>
-                        <a:rPr lang="en-US" sz="1800" b="0" i="0" u="none" strike="noStrike">
+                        <a:rPr lang="en-US" sz="1800" b="0" i="0" u="none" strike="noStrike" dirty="0">
                           <a:solidFill>
                             <a:srgbClr val="000000"/>
                           </a:solidFill>
@@ -5718,8 +8092,14 @@
                     <a:lnR>
                       <a:noFill/>
                     </a:lnR>
-                    <a:lnT>
-                      <a:noFill/>
+                    <a:lnT w="12700" cap="flat" cmpd="sng" algn="ctr">
+                      <a:solidFill>
+                        <a:schemeClr val="tx1"/>
+                      </a:solidFill>
+                      <a:prstDash val="solid"/>
+                      <a:round/>
+                      <a:headEnd type="none" w="med" len="med"/>
+                      <a:tailEnd type="none" w="med" len="med"/>
                     </a:lnT>
                     <a:lnB>
                       <a:noFill/>
@@ -5738,7 +8118,7 @@
                     <a:bodyPr/>
                     <a:lstStyle/>
                     <a:p>
-                      <a:pPr algn="l" fontAlgn="b"/>
+                      <a:pPr algn="ctr" fontAlgn="b"/>
                       <a:r>
                         <a:rPr lang="en-US" sz="1800" b="0" i="0" u="none" strike="noStrike">
                           <a:solidFill>
@@ -5771,7 +8151,67 @@
                     <a:bodyPr/>
                     <a:lstStyle/>
                     <a:p>
-                      <a:pPr algn="l" fontAlgn="b"/>
+                      <a:pPr algn="ctr" fontAlgn="b"/>
+                      <a:endParaRPr lang="en-US" sz="1800" b="0" i="0" u="none" strike="noStrike" dirty="0">
+                        <a:solidFill>
+                          <a:srgbClr val="000000"/>
+                        </a:solidFill>
+                        <a:effectLst/>
+                        <a:latin typeface="Calibri" panose="020F0502020204030204" pitchFamily="34" charset="0"/>
+                      </a:endParaRPr>
+                    </a:p>
+                  </a:txBody>
+                  <a:tcPr marL="9525" marR="9525" marT="9525" marB="0" anchor="b">
+                    <a:lnL>
+                      <a:noFill/>
+                    </a:lnL>
+                    <a:lnR>
+                      <a:noFill/>
+                    </a:lnR>
+                    <a:lnT>
+                      <a:noFill/>
+                    </a:lnT>
+                    <a:lnB>
+                      <a:noFill/>
+                    </a:lnB>
+                  </a:tcPr>
+                </a:tc>
+                <a:tc>
+                  <a:txBody>
+                    <a:bodyPr/>
+                    <a:lstStyle/>
+                    <a:p>
+                      <a:pPr algn="ctr" fontAlgn="b"/>
+                      <a:endParaRPr lang="en-US" sz="1800" b="0" i="0" u="none" strike="noStrike" dirty="0">
+                        <a:solidFill>
+                          <a:srgbClr val="000000"/>
+                        </a:solidFill>
+                        <a:effectLst/>
+                        <a:latin typeface="Calibri" panose="020F0502020204030204" pitchFamily="34" charset="0"/>
+                      </a:endParaRPr>
+                    </a:p>
+                  </a:txBody>
+                  <a:tcPr marL="9525" marR="9525" marT="9525" marB="0" anchor="b">
+                    <a:lnL>
+                      <a:noFill/>
+                    </a:lnL>
+                    <a:lnR>
+                      <a:noFill/>
+                    </a:lnR>
+                    <a:lnT>
+                      <a:noFill/>
+                    </a:lnT>
+                    <a:lnB>
+                      <a:noFill/>
+                    </a:lnB>
+                  </a:tcPr>
+                </a:tc>
+                <a:tc>
+                  <a:txBody>
+                    <a:bodyPr/>
+                    <a:lstStyle/>
+                    <a:p>
+                      <a:pPr algn="ctr" fontAlgn="b"/>
                       <a:endParaRPr lang="en-US" sz="1800" b="0" i="0" u="none" strike="noStrike">
                         <a:solidFill>
                           <a:srgbClr val="000000"/>
@@ -5796,66 +8236,6 @@
                     </a:lnB>
                   </a:tcPr>
                 </a:tc>
-                <a:tc>
-                  <a:txBody>
-                    <a:bodyPr/>
-                    <a:lstStyle/>
-                    <a:p>
-                      <a:pPr algn="l" fontAlgn="b"/>
-                      <a:endParaRPr lang="en-US" sz="1800" b="0" i="0" u="none" strike="noStrike">
-                        <a:solidFill>
-                          <a:srgbClr val="000000"/>
-                        </a:solidFill>
-                        <a:effectLst/>
-                        <a:latin typeface="Calibri" panose="020F0502020204030204" pitchFamily="34" charset="0"/>
-                      </a:endParaRPr>
-                    </a:p>
-                  </a:txBody>
-                  <a:tcPr marL="9525" marR="9525" marT="9525" marB="0" anchor="b">
-                    <a:lnL>
-                      <a:noFill/>
-                    </a:lnL>
-                    <a:lnR>
-                      <a:noFill/>
-                    </a:lnR>
-                    <a:lnT>
-                      <a:noFill/>
-                    </a:lnT>
-                    <a:lnB>
-                      <a:noFill/>
-                    </a:lnB>
-                  </a:tcPr>
-                </a:tc>
-                <a:tc>
-                  <a:txBody>
-                    <a:bodyPr/>
-                    <a:lstStyle/>
-                    <a:p>
-                      <a:pPr algn="l" fontAlgn="b"/>
-                      <a:endParaRPr lang="en-US" sz="1800" b="0" i="0" u="none" strike="noStrike">
-                        <a:solidFill>
-                          <a:srgbClr val="000000"/>
-                        </a:solidFill>
-                        <a:effectLst/>
-                        <a:latin typeface="Calibri" panose="020F0502020204030204" pitchFamily="34" charset="0"/>
-                      </a:endParaRPr>
-                    </a:p>
-                  </a:txBody>
-                  <a:tcPr marL="9525" marR="9525" marT="9525" marB="0" anchor="b">
-                    <a:lnL>
-                      <a:noFill/>
-                    </a:lnL>
-                    <a:lnR>
-                      <a:noFill/>
-                    </a:lnR>
-                    <a:lnT>
-                      <a:noFill/>
-                    </a:lnT>
-                    <a:lnB>
-                      <a:noFill/>
-                    </a:lnB>
-                  </a:tcPr>
-                </a:tc>
                 <a:extLst>
                   <a:ext uri="{0D108BD9-81ED-4DB2-BD59-A6C34878D82A}">
                     <a16:rowId xmlns:a16="http://schemas.microsoft.com/office/drawing/2014/main" val="3272722919"/>
@@ -5868,7 +8248,7 @@
                     <a:bodyPr/>
                     <a:lstStyle/>
                     <a:p>
-                      <a:pPr algn="r" fontAlgn="b"/>
+                      <a:pPr algn="ctr" fontAlgn="b"/>
                       <a:r>
                         <a:rPr lang="en-US" sz="1800" b="0" i="0" u="none" strike="noStrike">
                           <a:solidFill>
@@ -5901,7 +8281,7 @@
                     <a:bodyPr/>
                     <a:lstStyle/>
                     <a:p>
-                      <a:pPr algn="l" fontAlgn="b"/>
+                      <a:pPr algn="ctr" fontAlgn="b"/>
                       <a:endParaRPr lang="en-US" sz="1800" b="0" i="0" u="none" strike="noStrike">
                         <a:solidFill>
                           <a:srgbClr val="000000"/>
@@ -5931,8 +8311,8 @@
                     <a:bodyPr/>
                     <a:lstStyle/>
                     <a:p>
-                      <a:pPr algn="l" fontAlgn="b"/>
-                      <a:endParaRPr lang="en-US" sz="1800" b="0" i="0" u="none" strike="noStrike">
+                      <a:pPr algn="ctr" fontAlgn="b"/>
+                      <a:endParaRPr lang="en-US" sz="1800" b="0" i="0" u="none" strike="noStrike" dirty="0">
                         <a:solidFill>
                           <a:srgbClr val="000000"/>
                         </a:solidFill>
@@ -5961,7 +8341,7 @@
                     <a:bodyPr/>
                     <a:lstStyle/>
                     <a:p>
-                      <a:pPr algn="l" fontAlgn="b"/>
+                      <a:pPr algn="ctr" fontAlgn="b"/>
                       <a:endParaRPr lang="en-US" sz="1800" b="0" i="0" u="none" strike="noStrike" dirty="0">
                         <a:solidFill>
                           <a:srgbClr val="000000"/>
@@ -5996,10 +8376,279 @@
           </a:graphicData>
         </a:graphic>
       </p:graphicFrame>
+      <p:sp>
+        <p:nvSpPr>
+          <p:cNvPr id="4" name="Rectangle 2">
+            <a:extLst>
+              <a:ext uri="{FF2B5EF4-FFF2-40B4-BE49-F238E27FC236}">
+                <a16:creationId xmlns:a16="http://schemas.microsoft.com/office/drawing/2014/main" id="{BDBE1A7A-0534-432B-BDDA-4A80035548EE}"/>
+              </a:ext>
+            </a:extLst>
+          </p:cNvPr>
+          <p:cNvSpPr>
+            <a:spLocks noChangeArrowheads="1"/>
+          </p:cNvSpPr>
+          <p:nvPr/>
+        </p:nvSpPr>
+        <p:spPr bwMode="auto">
+          <a:xfrm>
+            <a:off x="2251880" y="5874450"/>
+            <a:ext cx="7478973" cy="800219"/>
+          </a:xfrm>
+          <a:prstGeom prst="rect">
+            <a:avLst/>
+          </a:prstGeom>
+          <a:solidFill>
+            <a:srgbClr val="202020"/>
+          </a:solidFill>
+          <a:ln>
+            <a:noFill/>
+          </a:ln>
+          <a:effectLst/>
+          <a:extLst>
+            <a:ext uri="{91240B29-F687-4F45-9708-019B960494DF}">
+              <a14:hiddenLine xmlns:a14="http://schemas.microsoft.com/office/drawing/2010/main" w="9525">
+                <a:solidFill>
+                  <a:schemeClr val="tx1"/>
+                </a:solidFill>
+                <a:miter lim="800000"/>
+                <a:headEnd/>
+                <a:tailEnd/>
+              </a14:hiddenLine>
+            </a:ext>
+            <a:ext uri="{AF507438-7753-43E0-B8FC-AC1667EBCBE1}">
+              <a14:hiddenEffects xmlns:a14="http://schemas.microsoft.com/office/drawing/2010/main">
+                <a:effectLst>
+                  <a:outerShdw dist="35921" dir="2700000" algn="ctr" rotWithShape="0">
+                    <a:schemeClr val="bg2"/>
+                  </a:outerShdw>
+                </a:effectLst>
+              </a14:hiddenEffects>
+            </a:ext>
+          </a:extLst>
+        </p:spPr>
+        <p:txBody>
+          <a:bodyPr vert="horz" wrap="square" lIns="0" tIns="0" rIns="0" bIns="0" numCol="1" anchor="ctr" anchorCtr="0" compatLnSpc="1">
+            <a:prstTxWarp prst="textNoShape">
+              <a:avLst/>
+            </a:prstTxWarp>
+            <a:spAutoFit/>
+          </a:bodyPr>
+          <a:lstStyle/>
+          <a:p>
+            <a:pPr marL="0" marR="0" lvl="0" indent="0" algn="l" defTabSz="914400" rtl="0" eaLnBrk="0" fontAlgn="base" latinLnBrk="0" hangingPunct="0">
+              <a:lnSpc>
+                <a:spcPct val="100000"/>
+              </a:lnSpc>
+              <a:spcBef>
+                <a:spcPct val="0"/>
+              </a:spcBef>
+              <a:spcAft>
+                <a:spcPct val="0"/>
+              </a:spcAft>
+              <a:buClrTx/>
+              <a:buSzTx/>
+              <a:buFontTx/>
+              <a:buNone/>
+              <a:tabLst/>
+            </a:pPr>
+            <a:r>
+              <a:rPr kumimoji="0" lang="en-US" altLang="en-US" sz="1300" b="0" i="0" u="none" strike="noStrike" cap="none" normalizeH="0" baseline="0" dirty="0">
+                <a:ln>
+                  <a:noFill/>
+                </a:ln>
+                <a:solidFill>
+                  <a:srgbClr val="E6E1DC"/>
+                </a:solidFill>
+                <a:effectLst/>
+                <a:latin typeface="Lucida Console" panose="020B0609040504020204" pitchFamily="49" charset="0"/>
+              </a:rPr>
+              <a:t>2 group class: </a:t>
+            </a:r>
+            <a:r>
+              <a:rPr kumimoji="0" lang="en-US" altLang="en-US" sz="1300" b="0" i="0" u="none" strike="noStrike" cap="none" normalizeH="0" baseline="0" dirty="0" err="1">
+                <a:ln>
+                  <a:noFill/>
+                </a:ln>
+                <a:solidFill>
+                  <a:srgbClr val="E6E1DC"/>
+                </a:solidFill>
+                <a:effectLst/>
+                <a:latin typeface="Lucida Console" panose="020B0609040504020204" pitchFamily="49" charset="0"/>
+              </a:rPr>
+              <a:t>DMNGroup</a:t>
+            </a:r>
+            <a:r>
+              <a:rPr kumimoji="0" lang="en-US" altLang="en-US" sz="1300" b="0" i="0" u="none" strike="noStrike" cap="none" normalizeH="0" baseline="0" dirty="0">
+                <a:ln>
+                  <a:noFill/>
+                </a:ln>
+                <a:solidFill>
+                  <a:srgbClr val="E6E1DC"/>
+                </a:solidFill>
+                <a:effectLst/>
+                <a:latin typeface="Lucida Console" panose="020B0609040504020204" pitchFamily="49" charset="0"/>
+              </a:rPr>
+              <a:t> summary: </a:t>
+            </a:r>
+          </a:p>
+          <a:p>
+            <a:pPr marL="0" marR="0" lvl="0" indent="0" algn="l" defTabSz="914400" rtl="0" eaLnBrk="0" fontAlgn="base" latinLnBrk="0" hangingPunct="0">
+              <a:lnSpc>
+                <a:spcPct val="100000"/>
+              </a:lnSpc>
+              <a:spcBef>
+                <a:spcPct val="0"/>
+              </a:spcBef>
+              <a:spcAft>
+                <a:spcPct val="0"/>
+              </a:spcAft>
+              <a:buClrTx/>
+              <a:buSzTx/>
+              <a:buFontTx/>
+              <a:buNone/>
+              <a:tabLst/>
+            </a:pPr>
+            <a:r>
+              <a:rPr lang="en-US" altLang="en-US" sz="1300" dirty="0">
+                <a:solidFill>
+                  <a:srgbClr val="E6E1DC"/>
+                </a:solidFill>
+                <a:latin typeface="Lucida Console" panose="020B0609040504020204" pitchFamily="49" charset="0"/>
+              </a:rPr>
+              <a:t>	       </a:t>
+            </a:r>
+            <a:r>
+              <a:rPr kumimoji="0" lang="en-US" altLang="en-US" sz="1300" b="0" i="0" u="none" strike="noStrike" cap="none" normalizeH="0" baseline="0" dirty="0">
+                <a:ln>
+                  <a:noFill/>
+                </a:ln>
+                <a:solidFill>
+                  <a:srgbClr val="E6E1DC"/>
+                </a:solidFill>
+                <a:effectLst/>
+                <a:latin typeface="Lucida Console" panose="020B0609040504020204" pitchFamily="49" charset="0"/>
+              </a:rPr>
+              <a:t>k samples taxa NLE   </a:t>
+            </a:r>
+            <a:r>
+              <a:rPr kumimoji="0" lang="en-US" altLang="en-US" sz="1300" b="0" i="0" u="none" strike="noStrike" cap="none" normalizeH="0" baseline="0" dirty="0" err="1">
+                <a:ln>
+                  <a:noFill/>
+                </a:ln>
+                <a:solidFill>
+                  <a:srgbClr val="E6E1DC"/>
+                </a:solidFill>
+                <a:effectLst/>
+                <a:latin typeface="Lucida Console" panose="020B0609040504020204" pitchFamily="49" charset="0"/>
+              </a:rPr>
+              <a:t>LogDet</a:t>
+            </a:r>
+            <a:r>
+              <a:rPr kumimoji="0" lang="en-US" altLang="en-US" sz="1300" b="0" i="0" u="none" strike="noStrike" cap="none" normalizeH="0" baseline="0" dirty="0">
+                <a:ln>
+                  <a:noFill/>
+                </a:ln>
+                <a:solidFill>
+                  <a:srgbClr val="E6E1DC"/>
+                </a:solidFill>
+                <a:effectLst/>
+                <a:latin typeface="Lucida Console" panose="020B0609040504020204" pitchFamily="49" charset="0"/>
+              </a:rPr>
+              <a:t>   Laplace    BIC    AIC </a:t>
+            </a:r>
+          </a:p>
+          <a:p>
+            <a:pPr marL="0" marR="0" lvl="0" indent="0" algn="l" defTabSz="914400" rtl="0" eaLnBrk="0" fontAlgn="base" latinLnBrk="0" hangingPunct="0">
+              <a:lnSpc>
+                <a:spcPct val="100000"/>
+              </a:lnSpc>
+              <a:spcBef>
+                <a:spcPct val="0"/>
+              </a:spcBef>
+              <a:spcAft>
+                <a:spcPct val="0"/>
+              </a:spcAft>
+              <a:buClrTx/>
+              <a:buSzTx/>
+              <a:buFontTx/>
+              <a:buNone/>
+              <a:tabLst/>
+            </a:pPr>
+            <a:r>
+              <a:rPr kumimoji="0" lang="en-US" altLang="en-US" sz="1300" b="0" i="0" u="none" strike="noStrike" cap="none" normalizeH="0" baseline="0" dirty="0" err="1">
+                <a:ln>
+                  <a:noFill/>
+                </a:ln>
+                <a:solidFill>
+                  <a:srgbClr val="E6E1DC"/>
+                </a:solidFill>
+                <a:effectLst/>
+                <a:latin typeface="Lucida Console" panose="020B0609040504020204" pitchFamily="49" charset="0"/>
+              </a:rPr>
+              <a:t>Control_Healthy</a:t>
+            </a:r>
+            <a:r>
+              <a:rPr kumimoji="0" lang="en-US" altLang="en-US" sz="1300" b="0" i="0" u="none" strike="noStrike" cap="none" normalizeH="0" baseline="0" dirty="0">
+                <a:ln>
+                  <a:noFill/>
+                </a:ln>
+                <a:solidFill>
+                  <a:srgbClr val="E6E1DC"/>
+                </a:solidFill>
+                <a:effectLst/>
+                <a:latin typeface="Lucida Console" panose="020B0609040504020204" pitchFamily="49" charset="0"/>
+              </a:rPr>
+              <a:t> 1 32 2077 53384.32 -3058.9868 49946.19 56983.48 55461.32 </a:t>
+            </a:r>
+          </a:p>
+          <a:p>
+            <a:pPr marL="0" marR="0" lvl="0" indent="0" algn="l" defTabSz="914400" rtl="0" eaLnBrk="0" fontAlgn="base" latinLnBrk="0" hangingPunct="0">
+              <a:lnSpc>
+                <a:spcPct val="100000"/>
+              </a:lnSpc>
+              <a:spcBef>
+                <a:spcPct val="0"/>
+              </a:spcBef>
+              <a:spcAft>
+                <a:spcPct val="0"/>
+              </a:spcAft>
+              <a:buClrTx/>
+              <a:buSzTx/>
+              <a:buFontTx/>
+              <a:buNone/>
+              <a:tabLst/>
+            </a:pPr>
+            <a:r>
+              <a:rPr kumimoji="0" lang="en-US" altLang="en-US" sz="1300" b="0" i="0" u="none" strike="noStrike" cap="none" normalizeH="0" baseline="0" dirty="0">
+                <a:ln>
+                  <a:noFill/>
+                </a:ln>
+                <a:solidFill>
+                  <a:srgbClr val="E6E1DC"/>
+                </a:solidFill>
+                <a:effectLst/>
+                <a:latin typeface="Lucida Console" panose="020B0609040504020204" pitchFamily="49" charset="0"/>
+              </a:rPr>
+              <a:t>COVID19         2 33 2077 77343.17  210.8834  73630.42 84607.16 81498.17</a:t>
+            </a:r>
+            <a:endParaRPr kumimoji="0" lang="en-US" altLang="en-US" sz="1800" b="0" i="0" u="none" strike="noStrike" cap="none" normalizeH="0" baseline="0" dirty="0">
+              <a:ln>
+                <a:noFill/>
+              </a:ln>
+              <a:solidFill>
+                <a:schemeClr val="tx1"/>
+              </a:solidFill>
+              <a:effectLst/>
+              <a:latin typeface="Arial" panose="020B0604020202020204" pitchFamily="34" charset="0"/>
+            </a:endParaRPr>
+          </a:p>
+        </p:txBody>
+      </p:sp>
     </p:spTree>
     <p:extLst>
       <p:ext uri="{BB962C8B-B14F-4D97-AF65-F5344CB8AC3E}">
-        <p14:creationId xmlns:p14="http://schemas.microsoft.com/office/powerpoint/2010/main" val="3895564111"/>
+        <p14:creationId xmlns:p14="http://schemas.microsoft.com/office/powerpoint/2010/main" val="1042232078"/>
       </p:ext>
     </p:extLst>
   </p:cSld>
